--- a/etc/Install plotjuggler with wsl2.pptx
+++ b/etc/Install plotjuggler with wsl2.pptx
@@ -3791,15 +3791,7 @@
             </a:r>
             <a:r>
               <a:rPr lang="en-US" altLang="ko-KR" sz="1200" dirty="0"/>
-              <a:t> +x 1_installer.sh ; </a:t>
-            </a:r>
-            <a:r>
-              <a:rPr lang="en-US" altLang="ko-KR" sz="1200" dirty="0" err="1"/>
-              <a:t>chmod</a:t>
-            </a:r>
-            <a:r>
-              <a:rPr lang="en-US" altLang="ko-KR" sz="1200" dirty="0"/>
-              <a:t> +x 2_installer.sh ; ./1_installer.sh ; ./2_installer.sh </a:t>
+              <a:t> +x installer.sh ; ./installer.sh </a:t>
             </a:r>
           </a:p>
         </p:txBody>
@@ -4063,7 +4055,7 @@
         <p:spPr>
           <a:xfrm>
             <a:off x="2013016" y="11079895"/>
-            <a:ext cx="3153987" cy="461665"/>
+            <a:ext cx="3153987" cy="646331"/>
           </a:xfrm>
           <a:prstGeom prst="rect">
             <a:avLst/>
@@ -4095,6 +4087,29 @@
             <a:r>
               <a:rPr lang="ko-KR" altLang="en-US" sz="1200" dirty="0" err="1"/>
               <a:t>ubuntu</a:t>
+            </a:r>
+            <a:endParaRPr lang="en-US" altLang="ko-KR" sz="1200" dirty="0"/>
+          </a:p>
+          <a:p>
+            <a:r>
+              <a:rPr lang="en-US" altLang="ko-KR" sz="1200" dirty="0" err="1"/>
+              <a:t>wsl</a:t>
+            </a:r>
+            <a:r>
+              <a:rPr lang="ko-KR" altLang="en-US" sz="1200" dirty="0"/>
+              <a:t> </a:t>
+            </a:r>
+            <a:r>
+              <a:rPr lang="en-US" altLang="ko-KR" sz="1200" dirty="0"/>
+              <a:t>–unregister</a:t>
+            </a:r>
+            <a:r>
+              <a:rPr lang="ko-KR" altLang="en-US" sz="1200" dirty="0"/>
+              <a:t> </a:t>
+            </a:r>
+            <a:r>
+              <a:rPr lang="en-US" altLang="ko-KR" sz="1200" dirty="0"/>
+              <a:t>ubuntu-20.04</a:t>
             </a:r>
             <a:endParaRPr lang="ko-KR" altLang="en-US" sz="1200" dirty="0"/>
           </a:p>

--- a/etc/Install plotjuggler with wsl2.pptx
+++ b/etc/Install plotjuggler with wsl2.pptx
@@ -246,7 +246,7 @@
           <a:p>
             <a:fld id="{5143C12C-7352-405E-B77B-F59404C718B7}" type="datetimeFigureOut">
               <a:rPr lang="ko-KR" altLang="en-US" smtClean="0"/>
-              <a:t>2024-04-29</a:t>
+              <a:t>2024-04-30</a:t>
             </a:fld>
             <a:endParaRPr lang="ko-KR" altLang="en-US"/>
           </a:p>
@@ -416,7 +416,7 @@
           <a:p>
             <a:fld id="{5143C12C-7352-405E-B77B-F59404C718B7}" type="datetimeFigureOut">
               <a:rPr lang="ko-KR" altLang="en-US" smtClean="0"/>
-              <a:t>2024-04-29</a:t>
+              <a:t>2024-04-30</a:t>
             </a:fld>
             <a:endParaRPr lang="ko-KR" altLang="en-US"/>
           </a:p>
@@ -596,7 +596,7 @@
           <a:p>
             <a:fld id="{5143C12C-7352-405E-B77B-F59404C718B7}" type="datetimeFigureOut">
               <a:rPr lang="ko-KR" altLang="en-US" smtClean="0"/>
-              <a:t>2024-04-29</a:t>
+              <a:t>2024-04-30</a:t>
             </a:fld>
             <a:endParaRPr lang="ko-KR" altLang="en-US"/>
           </a:p>
@@ -766,7 +766,7 @@
           <a:p>
             <a:fld id="{5143C12C-7352-405E-B77B-F59404C718B7}" type="datetimeFigureOut">
               <a:rPr lang="ko-KR" altLang="en-US" smtClean="0"/>
-              <a:t>2024-04-29</a:t>
+              <a:t>2024-04-30</a:t>
             </a:fld>
             <a:endParaRPr lang="ko-KR" altLang="en-US"/>
           </a:p>
@@ -1010,7 +1010,7 @@
           <a:p>
             <a:fld id="{5143C12C-7352-405E-B77B-F59404C718B7}" type="datetimeFigureOut">
               <a:rPr lang="ko-KR" altLang="en-US" smtClean="0"/>
-              <a:t>2024-04-29</a:t>
+              <a:t>2024-04-30</a:t>
             </a:fld>
             <a:endParaRPr lang="ko-KR" altLang="en-US"/>
           </a:p>
@@ -1242,7 +1242,7 @@
           <a:p>
             <a:fld id="{5143C12C-7352-405E-B77B-F59404C718B7}" type="datetimeFigureOut">
               <a:rPr lang="ko-KR" altLang="en-US" smtClean="0"/>
-              <a:t>2024-04-29</a:t>
+              <a:t>2024-04-30</a:t>
             </a:fld>
             <a:endParaRPr lang="ko-KR" altLang="en-US"/>
           </a:p>
@@ -1609,7 +1609,7 @@
           <a:p>
             <a:fld id="{5143C12C-7352-405E-B77B-F59404C718B7}" type="datetimeFigureOut">
               <a:rPr lang="ko-KR" altLang="en-US" smtClean="0"/>
-              <a:t>2024-04-29</a:t>
+              <a:t>2024-04-30</a:t>
             </a:fld>
             <a:endParaRPr lang="ko-KR" altLang="en-US"/>
           </a:p>
@@ -1727,7 +1727,7 @@
           <a:p>
             <a:fld id="{5143C12C-7352-405E-B77B-F59404C718B7}" type="datetimeFigureOut">
               <a:rPr lang="ko-KR" altLang="en-US" smtClean="0"/>
-              <a:t>2024-04-29</a:t>
+              <a:t>2024-04-30</a:t>
             </a:fld>
             <a:endParaRPr lang="ko-KR" altLang="en-US"/>
           </a:p>
@@ -1822,7 +1822,7 @@
           <a:p>
             <a:fld id="{5143C12C-7352-405E-B77B-F59404C718B7}" type="datetimeFigureOut">
               <a:rPr lang="ko-KR" altLang="en-US" smtClean="0"/>
-              <a:t>2024-04-29</a:t>
+              <a:t>2024-04-30</a:t>
             </a:fld>
             <a:endParaRPr lang="ko-KR" altLang="en-US"/>
           </a:p>
@@ -2099,7 +2099,7 @@
           <a:p>
             <a:fld id="{5143C12C-7352-405E-B77B-F59404C718B7}" type="datetimeFigureOut">
               <a:rPr lang="ko-KR" altLang="en-US" smtClean="0"/>
-              <a:t>2024-04-29</a:t>
+              <a:t>2024-04-30</a:t>
             </a:fld>
             <a:endParaRPr lang="ko-KR" altLang="en-US"/>
           </a:p>
@@ -2356,7 +2356,7 @@
           <a:p>
             <a:fld id="{5143C12C-7352-405E-B77B-F59404C718B7}" type="datetimeFigureOut">
               <a:rPr lang="ko-KR" altLang="en-US" smtClean="0"/>
-              <a:t>2024-04-29</a:t>
+              <a:t>2024-04-30</a:t>
             </a:fld>
             <a:endParaRPr lang="ko-KR" altLang="en-US"/>
           </a:p>
@@ -2569,7 +2569,7 @@
           <a:p>
             <a:fld id="{5143C12C-7352-405E-B77B-F59404C718B7}" type="datetimeFigureOut">
               <a:rPr lang="ko-KR" altLang="en-US" smtClean="0"/>
-              <a:t>2024-04-29</a:t>
+              <a:t>2024-04-30</a:t>
             </a:fld>
             <a:endParaRPr lang="ko-KR" altLang="en-US"/>
           </a:p>
@@ -3751,23 +3751,7 @@
             <a:pPr defTabSz="914400" latinLnBrk="1"/>
             <a:r>
               <a:rPr lang="en-US" altLang="ko-KR" sz="1200" dirty="0"/>
-              <a:t>git clone -n --depth=1 --filter=tree:0 https://github.com/seonghoonko/plotjuggler.git &amp;&amp;</a:t>
-            </a:r>
-            <a:r>
-              <a:rPr lang="ko-KR" altLang="en-US" sz="1200" dirty="0"/>
-              <a:t> </a:t>
-            </a:r>
-            <a:r>
-              <a:rPr lang="en-US" altLang="ko-KR" sz="1200" dirty="0"/>
-              <a:t>cd</a:t>
-            </a:r>
-            <a:r>
-              <a:rPr lang="ko-KR" altLang="en-US" sz="1200" dirty="0"/>
-              <a:t> </a:t>
-            </a:r>
-            <a:r>
-              <a:rPr lang="en-US" altLang="ko-KR" sz="1200" dirty="0"/>
-              <a:t>~/</a:t>
+              <a:t>git clone -n --depth=1 --filter=tree:0 https://github.com/seonghoonko/plotjuggler.git &amp;&amp; cd ~/</a:t>
             </a:r>
             <a:r>
               <a:rPr lang="en-US" altLang="ko-KR" sz="1200" dirty="0" err="1"/>
@@ -3791,7 +3775,15 @@
             </a:r>
             <a:r>
               <a:rPr lang="en-US" altLang="ko-KR" sz="1200" dirty="0"/>
-              <a:t> +x installer.sh ; ./installer.sh </a:t>
+              <a:t> +x 1_installer.sh ; </a:t>
+            </a:r>
+            <a:r>
+              <a:rPr lang="en-US" altLang="ko-KR" sz="1200" dirty="0" err="1"/>
+              <a:t>chmod</a:t>
+            </a:r>
+            <a:r>
+              <a:rPr lang="en-US" altLang="ko-KR" sz="1200" dirty="0"/>
+              <a:t> +x 2_installer.sh ; ./1_installer.sh ; ./2_installer.sh ;</a:t>
             </a:r>
           </a:p>
         </p:txBody>

--- a/etc/Install plotjuggler with wsl2.pptx
+++ b/etc/Install plotjuggler with wsl2.pptx
@@ -5,9 +5,10 @@
     <p:sldMasterId id="2147483660" r:id="rId1"/>
   </p:sldMasterIdLst>
   <p:sldIdLst>
-    <p:sldId id="256" r:id="rId2"/>
-    <p:sldId id="257" r:id="rId3"/>
-    <p:sldId id="258" r:id="rId4"/>
+    <p:sldId id="259" r:id="rId2"/>
+    <p:sldId id="256" r:id="rId3"/>
+    <p:sldId id="257" r:id="rId4"/>
+    <p:sldId id="258" r:id="rId5"/>
   </p:sldIdLst>
   <p:sldSz cx="6858000" cy="12192000"/>
   <p:notesSz cx="6858000" cy="9144000"/>
@@ -2976,6 +2977,130 @@
       </p:grpSpPr>
       <p:sp>
         <p:nvSpPr>
+          <p:cNvPr id="4" name="TextBox 3">
+            <a:extLst>
+              <a:ext uri="{FF2B5EF4-FFF2-40B4-BE49-F238E27FC236}">
+                <a16:creationId xmlns:a16="http://schemas.microsoft.com/office/drawing/2014/main" id="{FA3CEB09-2FE5-90C5-AA34-DCA8FAD13691}"/>
+              </a:ext>
+            </a:extLst>
+          </p:cNvPr>
+          <p:cNvSpPr txBox="1"/>
+          <p:nvPr/>
+        </p:nvSpPr>
+        <p:spPr>
+          <a:xfrm>
+            <a:off x="591821" y="3653060"/>
+            <a:ext cx="6266179" cy="1938992"/>
+          </a:xfrm>
+          <a:prstGeom prst="rect">
+            <a:avLst/>
+          </a:prstGeom>
+          <a:noFill/>
+        </p:spPr>
+        <p:txBody>
+          <a:bodyPr wrap="square" rtlCol="0">
+            <a:spAutoFit/>
+          </a:bodyPr>
+          <a:lstStyle/>
+          <a:p>
+            <a:r>
+              <a:rPr lang="en-US" altLang="ko-KR" sz="6000" b="1" dirty="0"/>
+              <a:t>Install</a:t>
+            </a:r>
+            <a:r>
+              <a:rPr lang="ko-KR" altLang="en-US" sz="6000" b="1" dirty="0"/>
+              <a:t> </a:t>
+            </a:r>
+            <a:r>
+              <a:rPr lang="en-US" altLang="ko-KR" sz="6000" b="1" dirty="0" err="1"/>
+              <a:t>plog</a:t>
+            </a:r>
+            <a:r>
+              <a:rPr lang="en-US" altLang="ko-KR" sz="6000" b="1" dirty="0"/>
+              <a:t> juggler</a:t>
+            </a:r>
+          </a:p>
+          <a:p>
+            <a:r>
+              <a:rPr lang="en-US" altLang="ko-KR" sz="6000" b="1" dirty="0"/>
+              <a:t>For </a:t>
+            </a:r>
+            <a:r>
+              <a:rPr lang="en-US" altLang="ko-KR" sz="6000" b="1" dirty="0" err="1"/>
+              <a:t>openpilot</a:t>
+            </a:r>
+            <a:endParaRPr lang="ko-KR" altLang="en-US" sz="6000" b="1" dirty="0"/>
+          </a:p>
+        </p:txBody>
+      </p:sp>
+      <p:sp>
+        <p:nvSpPr>
+          <p:cNvPr id="5" name="TextBox 4">
+            <a:extLst>
+              <a:ext uri="{FF2B5EF4-FFF2-40B4-BE49-F238E27FC236}">
+                <a16:creationId xmlns:a16="http://schemas.microsoft.com/office/drawing/2014/main" id="{789DB85D-929F-DA8D-7CEB-9B69944C97B0}"/>
+              </a:ext>
+            </a:extLst>
+          </p:cNvPr>
+          <p:cNvSpPr txBox="1"/>
+          <p:nvPr/>
+        </p:nvSpPr>
+        <p:spPr>
+          <a:xfrm>
+            <a:off x="4914439" y="11051388"/>
+            <a:ext cx="1768994" cy="769441"/>
+          </a:xfrm>
+          <a:prstGeom prst="rect">
+            <a:avLst/>
+          </a:prstGeom>
+          <a:noFill/>
+        </p:spPr>
+        <p:txBody>
+          <a:bodyPr wrap="square" rtlCol="0">
+            <a:spAutoFit/>
+          </a:bodyPr>
+          <a:lstStyle/>
+          <a:p>
+            <a:r>
+              <a:rPr lang="en-US" altLang="ko-KR" sz="4400" b="1" dirty="0" err="1"/>
+              <a:t>shko</a:t>
+            </a:r>
+            <a:endParaRPr lang="ko-KR" altLang="en-US" sz="4400" b="1" dirty="0"/>
+          </a:p>
+        </p:txBody>
+      </p:sp>
+    </p:spTree>
+    <p:extLst>
+      <p:ext uri="{BB962C8B-B14F-4D97-AF65-F5344CB8AC3E}">
+        <p14:creationId xmlns:p14="http://schemas.microsoft.com/office/powerpoint/2010/main" val="2052848057"/>
+      </p:ext>
+    </p:extLst>
+  </p:cSld>
+  <p:clrMapOvr>
+    <a:masterClrMapping/>
+  </p:clrMapOvr>
+</p:sld>
+</file>
+
+<file path=ppt/slides/slide2.xml><?xml version="1.0" encoding="utf-8"?>
+<p:sld xmlns:a="http://schemas.openxmlformats.org/drawingml/2006/main" xmlns:r="http://schemas.openxmlformats.org/officeDocument/2006/relationships" xmlns:p="http://schemas.openxmlformats.org/presentationml/2006/main">
+  <p:cSld>
+    <p:spTree>
+      <p:nvGrpSpPr>
+        <p:cNvPr id="1" name=""/>
+        <p:cNvGrpSpPr/>
+        <p:nvPr/>
+      </p:nvGrpSpPr>
+      <p:grpSpPr>
+        <a:xfrm>
+          <a:off x="0" y="0"/>
+          <a:ext cx="0" cy="0"/>
+          <a:chOff x="0" y="0"/>
+          <a:chExt cx="0" cy="0"/>
+        </a:xfrm>
+      </p:grpSpPr>
+      <p:sp>
+        <p:nvSpPr>
           <p:cNvPr id="5" name="TextBox 4">
             <a:extLst>
               <a:ext uri="{FF2B5EF4-FFF2-40B4-BE49-F238E27FC236}">
@@ -2988,7 +3113,7 @@
         </p:nvSpPr>
         <p:spPr>
           <a:xfrm>
-            <a:off x="212482" y="48188"/>
+            <a:off x="178467" y="839099"/>
             <a:ext cx="6541885" cy="830997"/>
           </a:xfrm>
           <a:prstGeom prst="rect">
@@ -3167,7 +3292,7 @@
         </p:nvSpPr>
         <p:spPr>
           <a:xfrm>
-            <a:off x="351753" y="1204793"/>
+            <a:off x="351753" y="1670436"/>
             <a:ext cx="6351270" cy="276999"/>
           </a:xfrm>
           <a:prstGeom prst="rect">
@@ -3206,7 +3331,7 @@
         </p:nvSpPr>
         <p:spPr>
           <a:xfrm>
-            <a:off x="351753" y="1826000"/>
+            <a:off x="351753" y="2291643"/>
             <a:ext cx="4061460" cy="276999"/>
           </a:xfrm>
           <a:prstGeom prst="rect">
@@ -3253,7 +3378,7 @@
         </p:blipFill>
         <p:spPr>
           <a:xfrm>
-            <a:off x="0" y="4126629"/>
+            <a:off x="0" y="4592272"/>
             <a:ext cx="2285387" cy="1794101"/>
           </a:xfrm>
           <a:prstGeom prst="rect">
@@ -3283,7 +3408,7 @@
         </p:blipFill>
         <p:spPr>
           <a:xfrm>
-            <a:off x="2297724" y="4145941"/>
+            <a:off x="2297724" y="4611584"/>
             <a:ext cx="2260713" cy="1794101"/>
           </a:xfrm>
           <a:prstGeom prst="rect">
@@ -3312,7 +3437,7 @@
         </p:blipFill>
         <p:spPr>
           <a:xfrm>
-            <a:off x="4558437" y="4134302"/>
+            <a:off x="4558437" y="4599945"/>
             <a:ext cx="2253033" cy="1786428"/>
           </a:xfrm>
           <a:prstGeom prst="rect">
@@ -3334,7 +3459,7 @@
         </p:nvSpPr>
         <p:spPr>
           <a:xfrm>
-            <a:off x="2382483" y="1033683"/>
+            <a:off x="2382483" y="1499326"/>
             <a:ext cx="1683571" cy="276999"/>
           </a:xfrm>
           <a:prstGeom prst="rect">
@@ -3471,7 +3596,7 @@
         </p:nvSpPr>
         <p:spPr>
           <a:xfrm>
-            <a:off x="2338519" y="1677481"/>
+            <a:off x="2338519" y="2143124"/>
             <a:ext cx="1683571" cy="276999"/>
           </a:xfrm>
           <a:prstGeom prst="rect">
@@ -3566,7 +3691,7 @@
         </p:blipFill>
         <p:spPr>
           <a:xfrm>
-            <a:off x="25436" y="2443037"/>
+            <a:off x="25436" y="2908680"/>
             <a:ext cx="2285388" cy="1601183"/>
           </a:xfrm>
           <a:prstGeom prst="rect">
@@ -3596,7 +3721,7 @@
         </p:blipFill>
         <p:spPr>
           <a:xfrm>
-            <a:off x="2295101" y="2450613"/>
+            <a:off x="2295101" y="2916256"/>
             <a:ext cx="2285387" cy="1594457"/>
           </a:xfrm>
           <a:prstGeom prst="rect">
@@ -3626,7 +3751,7 @@
         </p:blipFill>
         <p:spPr>
           <a:xfrm>
-            <a:off x="4633575" y="2921649"/>
+            <a:off x="4633575" y="3387292"/>
             <a:ext cx="1957636" cy="668049"/>
           </a:xfrm>
           <a:prstGeom prst="rect">
@@ -3648,7 +3773,7 @@
         </p:nvSpPr>
         <p:spPr>
           <a:xfrm>
-            <a:off x="5051061" y="2591005"/>
+            <a:off x="5051061" y="3056648"/>
             <a:ext cx="1045524" cy="276999"/>
           </a:xfrm>
           <a:prstGeom prst="rect">
@@ -3788,42 +3913,12 @@
           </a:p>
         </p:txBody>
       </p:sp>
-    </p:spTree>
-    <p:extLst>
-      <p:ext uri="{BB962C8B-B14F-4D97-AF65-F5344CB8AC3E}">
-        <p14:creationId xmlns:p14="http://schemas.microsoft.com/office/powerpoint/2010/main" val="2995180108"/>
-      </p:ext>
-    </p:extLst>
-  </p:cSld>
-  <p:clrMapOvr>
-    <a:masterClrMapping/>
-  </p:clrMapOvr>
-</p:sld>
-</file>
-
-<file path=ppt/slides/slide2.xml><?xml version="1.0" encoding="utf-8"?>
-<p:sld xmlns:a="http://schemas.openxmlformats.org/drawingml/2006/main" xmlns:r="http://schemas.openxmlformats.org/officeDocument/2006/relationships" xmlns:p="http://schemas.openxmlformats.org/presentationml/2006/main">
-  <p:cSld>
-    <p:spTree>
-      <p:nvGrpSpPr>
-        <p:cNvPr id="1" name=""/>
-        <p:cNvGrpSpPr/>
-        <p:nvPr/>
-      </p:nvGrpSpPr>
-      <p:grpSpPr>
-        <a:xfrm>
-          <a:off x="0" y="0"/>
-          <a:ext cx="0" cy="0"/>
-          <a:chOff x="0" y="0"/>
-          <a:chExt cx="0" cy="0"/>
-        </a:xfrm>
-      </p:grpSpPr>
-      <p:sp>
-        <p:nvSpPr>
-          <p:cNvPr id="7" name="TextBox 6">
+      <p:sp>
+        <p:nvSpPr>
+          <p:cNvPr id="4" name="TextBox 3">
             <a:extLst>
               <a:ext uri="{FF2B5EF4-FFF2-40B4-BE49-F238E27FC236}">
-                <a16:creationId xmlns:a16="http://schemas.microsoft.com/office/drawing/2014/main" id="{6A9D0AEE-FDEB-C862-3142-31A7EC8F3180}"/>
+                <a16:creationId xmlns:a16="http://schemas.microsoft.com/office/drawing/2014/main" id="{88A8FB4F-4465-5F51-D73F-4E05460214C8}"/>
               </a:ext>
             </a:extLst>
           </p:cNvPr>
@@ -3832,8 +3927,8 @@
         </p:nvSpPr>
         <p:spPr>
           <a:xfrm>
-            <a:off x="2525050" y="10290840"/>
-            <a:ext cx="2456180" cy="276999"/>
+            <a:off x="2056400" y="35660"/>
+            <a:ext cx="2819114" cy="523220"/>
           </a:xfrm>
           <a:prstGeom prst="rect">
             <a:avLst/>
@@ -3841,1067 +3936,31 @@
           <a:noFill/>
         </p:spPr>
         <p:txBody>
-          <a:bodyPr wrap="square">
-            <a:spAutoFit/>
-          </a:bodyPr>
-          <a:lstStyle/>
-          <a:p>
-            <a:r>
-              <a:rPr lang="ko-KR" altLang="en-US" sz="1200" dirty="0"/>
-              <a:t> </a:t>
-            </a:r>
-            <a:r>
-              <a:rPr lang="en-US" altLang="ko-KR" sz="1200" dirty="0"/>
-              <a:t>+ R                                     </a:t>
-            </a:r>
-            <a:r>
-              <a:rPr lang="ko-KR" altLang="en-US" sz="1200" dirty="0"/>
-              <a:t>실행</a:t>
-            </a:r>
-          </a:p>
-        </p:txBody>
-      </p:sp>
-      <p:sp>
-        <p:nvSpPr>
-          <p:cNvPr id="4" name="TextBox 3">
-            <a:extLst>
-              <a:ext uri="{FF2B5EF4-FFF2-40B4-BE49-F238E27FC236}">
-                <a16:creationId xmlns:a16="http://schemas.microsoft.com/office/drawing/2014/main" id="{CB9DD689-DB51-D024-316A-ECC508D6B1EB}"/>
-              </a:ext>
-            </a:extLst>
-          </p:cNvPr>
-          <p:cNvSpPr txBox="1"/>
-          <p:nvPr/>
-        </p:nvSpPr>
-        <p:spPr>
-          <a:xfrm>
-            <a:off x="1906439" y="9989308"/>
-            <a:ext cx="1683571" cy="276999"/>
-          </a:xfrm>
-          <a:prstGeom prst="rect">
-            <a:avLst/>
-          </a:prstGeom>
-          <a:noFill/>
-        </p:spPr>
-        <p:txBody>
           <a:bodyPr wrap="square" rtlCol="0">
             <a:spAutoFit/>
           </a:bodyPr>
           <a:lstStyle/>
           <a:p>
             <a:r>
-              <a:rPr lang="en-US" altLang="ko-KR" sz="1200" b="1" dirty="0"/>
-              <a:t>*</a:t>
-            </a:r>
-            <a:r>
-              <a:rPr lang="ko-KR" altLang="en-US" sz="1200" b="1" dirty="0"/>
-              <a:t>우분투 설치 위치</a:t>
-            </a:r>
-          </a:p>
-        </p:txBody>
-      </p:sp>
-      <p:sp>
-        <p:nvSpPr>
-          <p:cNvPr id="5" name="TextBox 4">
-            <a:extLst>
-              <a:ext uri="{FF2B5EF4-FFF2-40B4-BE49-F238E27FC236}">
-                <a16:creationId xmlns:a16="http://schemas.microsoft.com/office/drawing/2014/main" id="{E154C35E-3854-AA8A-332F-8884DD560F65}"/>
-              </a:ext>
-            </a:extLst>
-          </p:cNvPr>
-          <p:cNvSpPr txBox="1"/>
-          <p:nvPr/>
-        </p:nvSpPr>
-        <p:spPr>
-          <a:xfrm>
-            <a:off x="3123449" y="10283973"/>
-            <a:ext cx="801043" cy="276999"/>
-          </a:xfrm>
-          <a:prstGeom prst="rect">
-            <a:avLst/>
-          </a:prstGeom>
-          <a:noFill/>
-        </p:spPr>
-        <p:txBody>
-          <a:bodyPr wrap="square">
-            <a:spAutoFit/>
-          </a:bodyPr>
-          <a:lstStyle/>
-          <a:p>
-            <a:r>
-              <a:rPr lang="ko-KR" altLang="en-US" sz="1200" dirty="0"/>
-              <a:t>\\wsl$\</a:t>
-            </a:r>
-          </a:p>
-        </p:txBody>
-      </p:sp>
-      <p:pic>
-        <p:nvPicPr>
-          <p:cNvPr id="6" name="그림 5">
-            <a:extLst>
-              <a:ext uri="{FF2B5EF4-FFF2-40B4-BE49-F238E27FC236}">
-                <a16:creationId xmlns:a16="http://schemas.microsoft.com/office/drawing/2014/main" id="{B9048704-0F2F-3945-5C63-5E6365D09441}"/>
-              </a:ext>
-            </a:extLst>
-          </p:cNvPr>
-          <p:cNvPicPr>
-            <a:picLocks noChangeAspect="1"/>
-          </p:cNvPicPr>
-          <p:nvPr/>
-        </p:nvPicPr>
-        <p:blipFill>
-          <a:blip r:embed="rId2"/>
-          <a:stretch>
-            <a:fillRect/>
-          </a:stretch>
-        </p:blipFill>
-        <p:spPr>
-          <a:xfrm>
-            <a:off x="2161658" y="10290840"/>
-            <a:ext cx="298893" cy="302878"/>
-          </a:xfrm>
-          <a:prstGeom prst="rect">
-            <a:avLst/>
-          </a:prstGeom>
-        </p:spPr>
-      </p:pic>
-      <p:sp>
-        <p:nvSpPr>
-          <p:cNvPr id="8" name="TextBox 7">
-            <a:extLst>
-              <a:ext uri="{FF2B5EF4-FFF2-40B4-BE49-F238E27FC236}">
-                <a16:creationId xmlns:a16="http://schemas.microsoft.com/office/drawing/2014/main" id="{4983D393-96C0-CCEA-3B4A-A5AB53EF5A5D}"/>
-              </a:ext>
-            </a:extLst>
-          </p:cNvPr>
-          <p:cNvSpPr txBox="1"/>
-          <p:nvPr/>
-        </p:nvSpPr>
-        <p:spPr>
-          <a:xfrm>
-            <a:off x="1906440" y="10802896"/>
-            <a:ext cx="3288660" cy="276999"/>
-          </a:xfrm>
-          <a:prstGeom prst="rect">
-            <a:avLst/>
-          </a:prstGeom>
-          <a:noFill/>
-        </p:spPr>
-        <p:txBody>
-          <a:bodyPr wrap="square" rtlCol="0">
-            <a:spAutoFit/>
-          </a:bodyPr>
-          <a:lstStyle/>
-          <a:p>
-            <a:r>
-              <a:rPr lang="en-US" altLang="ko-KR" sz="1200" b="1" dirty="0"/>
-              <a:t>*WSL</a:t>
-            </a:r>
-            <a:r>
-              <a:rPr lang="ko-KR" altLang="en-US" sz="1200" b="1" dirty="0"/>
-              <a:t> 설치 </a:t>
-            </a:r>
-            <a:r>
-              <a:rPr lang="ko-KR" altLang="en-US" sz="1200" b="1" dirty="0" err="1"/>
-              <a:t>안될때</a:t>
-            </a:r>
-            <a:r>
-              <a:rPr lang="ko-KR" altLang="en-US" sz="1200" b="1" dirty="0"/>
+              <a:rPr lang="en-US" altLang="ko-KR" sz="2800" b="1" dirty="0"/>
+              <a:t>In</a:t>
+            </a:r>
+            <a:r>
+              <a:rPr lang="ko-KR" altLang="en-US" sz="2800" b="1" dirty="0"/>
               <a:t> </a:t>
             </a:r>
             <a:r>
-              <a:rPr lang="en-US" altLang="ko-KR" sz="1200" b="1" dirty="0"/>
-              <a:t>CMD </a:t>
-            </a:r>
-            <a:r>
-              <a:rPr lang="ko-KR" altLang="en-US" sz="1200" b="1" dirty="0"/>
-              <a:t>나 </a:t>
-            </a:r>
-            <a:r>
-              <a:rPr lang="en-US" altLang="ko-KR" sz="1200" b="1" dirty="0" err="1"/>
-              <a:t>Powershell</a:t>
-            </a:r>
-            <a:r>
-              <a:rPr lang="en-US" altLang="ko-KR" sz="1200" b="1" dirty="0"/>
-              <a:t> </a:t>
-            </a:r>
-            <a:r>
-              <a:rPr lang="ko-KR" altLang="en-US" sz="1200" b="1" dirty="0"/>
-              <a:t>로 설치</a:t>
-            </a:r>
-          </a:p>
-        </p:txBody>
-      </p:sp>
-      <p:sp>
-        <p:nvSpPr>
-          <p:cNvPr id="10" name="TextBox 9">
-            <a:extLst>
-              <a:ext uri="{FF2B5EF4-FFF2-40B4-BE49-F238E27FC236}">
-                <a16:creationId xmlns:a16="http://schemas.microsoft.com/office/drawing/2014/main" id="{92AD9541-48F9-F4F5-B5BB-E11C69DA4A2F}"/>
-              </a:ext>
-            </a:extLst>
-          </p:cNvPr>
-          <p:cNvSpPr txBox="1"/>
-          <p:nvPr/>
-        </p:nvSpPr>
-        <p:spPr>
-          <a:xfrm>
-            <a:off x="2013016" y="11079895"/>
-            <a:ext cx="3153987" cy="646331"/>
-          </a:xfrm>
-          <a:prstGeom prst="rect">
-            <a:avLst/>
-          </a:prstGeom>
-          <a:noFill/>
-        </p:spPr>
-        <p:txBody>
-          <a:bodyPr wrap="square">
-            <a:spAutoFit/>
-          </a:bodyPr>
-          <a:lstStyle/>
-          <a:p>
-            <a:r>
-              <a:rPr lang="ko-KR" altLang="en-US" sz="1200" dirty="0" err="1"/>
-              <a:t>wsl</a:t>
-            </a:r>
-            <a:r>
-              <a:rPr lang="ko-KR" altLang="en-US" sz="1200" dirty="0"/>
-              <a:t> --</a:t>
-            </a:r>
-            <a:r>
-              <a:rPr lang="ko-KR" altLang="en-US" sz="1200" dirty="0" err="1"/>
-              <a:t>unregister</a:t>
-            </a:r>
-            <a:r>
-              <a:rPr lang="ko-KR" altLang="en-US" sz="1200" dirty="0"/>
-              <a:t> </a:t>
-            </a:r>
-            <a:r>
-              <a:rPr lang="ko-KR" altLang="en-US" sz="1200" dirty="0" err="1"/>
-              <a:t>ubuntu</a:t>
-            </a:r>
-            <a:endParaRPr lang="en-US" altLang="ko-KR" sz="1200" dirty="0"/>
-          </a:p>
-          <a:p>
-            <a:r>
-              <a:rPr lang="en-US" altLang="ko-KR" sz="1200" dirty="0" err="1"/>
-              <a:t>wsl</a:t>
-            </a:r>
-            <a:r>
-              <a:rPr lang="ko-KR" altLang="en-US" sz="1200" dirty="0"/>
-              <a:t> </a:t>
-            </a:r>
-            <a:r>
-              <a:rPr lang="en-US" altLang="ko-KR" sz="1200" dirty="0"/>
-              <a:t>–unregister</a:t>
-            </a:r>
-            <a:r>
-              <a:rPr lang="ko-KR" altLang="en-US" sz="1200" dirty="0"/>
-              <a:t> </a:t>
-            </a:r>
-            <a:r>
-              <a:rPr lang="en-US" altLang="ko-KR" sz="1200" dirty="0"/>
-              <a:t>ubuntu-20.04</a:t>
-            </a:r>
-            <a:endParaRPr lang="ko-KR" altLang="en-US" sz="1200" dirty="0"/>
-          </a:p>
-          <a:p>
-            <a:r>
-              <a:rPr lang="ko-KR" altLang="en-US" sz="1200" dirty="0" err="1"/>
-              <a:t>wsl</a:t>
-            </a:r>
-            <a:r>
-              <a:rPr lang="ko-KR" altLang="en-US" sz="1200" dirty="0"/>
-              <a:t> --</a:t>
-            </a:r>
-            <a:r>
-              <a:rPr lang="ko-KR" altLang="en-US" sz="1200" dirty="0" err="1"/>
-              <a:t>install</a:t>
-            </a:r>
-            <a:r>
-              <a:rPr lang="ko-KR" altLang="en-US" sz="1200" dirty="0"/>
-              <a:t> -</a:t>
-            </a:r>
-            <a:r>
-              <a:rPr lang="ko-KR" altLang="en-US" sz="1200" dirty="0" err="1"/>
-              <a:t>d</a:t>
-            </a:r>
-            <a:r>
-              <a:rPr lang="ko-KR" altLang="en-US" sz="1200" dirty="0"/>
-              <a:t> Ubuntu-20.04</a:t>
-            </a:r>
-          </a:p>
-        </p:txBody>
-      </p:sp>
-      <p:sp>
-        <p:nvSpPr>
-          <p:cNvPr id="12" name="TextBox 11">
-            <a:extLst>
-              <a:ext uri="{FF2B5EF4-FFF2-40B4-BE49-F238E27FC236}">
-                <a16:creationId xmlns:a16="http://schemas.microsoft.com/office/drawing/2014/main" id="{112A397E-462B-530C-D053-DEA830BFF366}"/>
-              </a:ext>
-            </a:extLst>
-          </p:cNvPr>
-          <p:cNvSpPr txBox="1"/>
-          <p:nvPr/>
-        </p:nvSpPr>
-        <p:spPr>
-          <a:xfrm>
-            <a:off x="301744" y="347394"/>
-            <a:ext cx="1683571" cy="276999"/>
-          </a:xfrm>
-          <a:prstGeom prst="rect">
-            <a:avLst/>
-          </a:prstGeom>
-          <a:noFill/>
-        </p:spPr>
-        <p:txBody>
-          <a:bodyPr wrap="square" rtlCol="0">
-            <a:spAutoFit/>
-          </a:bodyPr>
-          <a:lstStyle/>
-          <a:p>
-            <a:r>
-              <a:rPr lang="en-US" altLang="ko-KR" sz="1200" b="1" dirty="0"/>
-              <a:t>1_Install_plot.sh </a:t>
-            </a:r>
-            <a:r>
-              <a:rPr lang="ko-KR" altLang="en-US" sz="1200" b="1" dirty="0"/>
-              <a:t>내용</a:t>
-            </a:r>
-          </a:p>
-        </p:txBody>
-      </p:sp>
-      <p:sp>
-        <p:nvSpPr>
-          <p:cNvPr id="3" name="TextBox 2">
-            <a:extLst>
-              <a:ext uri="{FF2B5EF4-FFF2-40B4-BE49-F238E27FC236}">
-                <a16:creationId xmlns:a16="http://schemas.microsoft.com/office/drawing/2014/main" id="{D81835C6-1437-359B-CA9B-094A643E96A3}"/>
-              </a:ext>
-            </a:extLst>
-          </p:cNvPr>
-          <p:cNvSpPr txBox="1"/>
-          <p:nvPr/>
-        </p:nvSpPr>
-        <p:spPr>
-          <a:xfrm>
-            <a:off x="402740" y="623357"/>
-            <a:ext cx="5928612" cy="7848302"/>
-          </a:xfrm>
-          <a:prstGeom prst="rect">
-            <a:avLst/>
-          </a:prstGeom>
-          <a:noFill/>
-        </p:spPr>
-        <p:txBody>
-          <a:bodyPr wrap="square">
-            <a:spAutoFit/>
-          </a:bodyPr>
-          <a:lstStyle/>
-          <a:p>
-            <a:pPr defTabSz="914400" latinLnBrk="1"/>
-            <a:r>
-              <a:rPr lang="en-US" altLang="ko-KR" sz="1200" dirty="0"/>
-              <a:t>#!/usr/bin/bash</a:t>
-            </a:r>
-          </a:p>
-          <a:p>
-            <a:pPr defTabSz="914400" latinLnBrk="1"/>
-            <a:r>
-              <a:rPr lang="en-US" altLang="ko-KR" sz="1200" dirty="0"/>
-              <a:t>cd ~;</a:t>
-            </a:r>
-          </a:p>
-          <a:p>
-            <a:pPr defTabSz="914400" latinLnBrk="1"/>
-            <a:r>
-              <a:rPr lang="en-US" altLang="ko-KR" sz="1200" dirty="0" err="1"/>
-              <a:t>sudo</a:t>
-            </a:r>
-            <a:r>
-              <a:rPr lang="en-US" altLang="ko-KR" sz="1200" dirty="0"/>
-              <a:t> apt update ; </a:t>
-            </a:r>
-          </a:p>
-          <a:p>
-            <a:pPr defTabSz="914400" latinLnBrk="1"/>
-            <a:r>
-              <a:rPr lang="en-US" altLang="ko-KR" sz="1200" dirty="0"/>
-              <a:t>upgrade ; </a:t>
-            </a:r>
-          </a:p>
-          <a:p>
-            <a:pPr defTabSz="914400" latinLnBrk="1"/>
-            <a:r>
-              <a:rPr lang="en-US" altLang="ko-KR" sz="1200" dirty="0" err="1"/>
-              <a:t>sudo</a:t>
-            </a:r>
-            <a:r>
-              <a:rPr lang="en-US" altLang="ko-KR" sz="1200" dirty="0"/>
-              <a:t> apt install x11-apps -y ;</a:t>
-            </a:r>
-          </a:p>
-          <a:p>
-            <a:pPr defTabSz="914400" latinLnBrk="1"/>
-            <a:r>
-              <a:rPr lang="en-US" altLang="ko-KR" sz="1200" dirty="0" err="1"/>
-              <a:t>sudo</a:t>
-            </a:r>
-            <a:r>
-              <a:rPr lang="en-US" altLang="ko-KR" sz="1200" dirty="0"/>
-              <a:t> apt install python3-pip ;</a:t>
-            </a:r>
-          </a:p>
-          <a:p>
-            <a:pPr defTabSz="914400" latinLnBrk="1"/>
-            <a:r>
-              <a:rPr lang="en-US" altLang="ko-KR" sz="1200" dirty="0"/>
-              <a:t>curl https://bootstrap.pypa.io/get\-pip.py \-o get\-pip.py ; </a:t>
-            </a:r>
-          </a:p>
-          <a:p>
-            <a:pPr defTabSz="914400" latinLnBrk="1"/>
-            <a:r>
-              <a:rPr lang="en-US" altLang="ko-KR" sz="1200" dirty="0"/>
-              <a:t>python3 get-pip.py ; pip3 install pip --upgrade ; </a:t>
-            </a:r>
-          </a:p>
-          <a:p>
-            <a:pPr defTabSz="914400" latinLnBrk="1"/>
-            <a:r>
-              <a:rPr lang="en-US" altLang="ko-KR" sz="1200" dirty="0" err="1"/>
-              <a:t>sudo</a:t>
-            </a:r>
-            <a:r>
-              <a:rPr lang="en-US" altLang="ko-KR" sz="1200" dirty="0"/>
-              <a:t> pip install --ignore-installed poetry ; </a:t>
-            </a:r>
-          </a:p>
-          <a:p>
-            <a:pPr defTabSz="914400" latinLnBrk="1"/>
-            <a:r>
-              <a:rPr lang="en-US" altLang="ko-KR" sz="1200" dirty="0" err="1"/>
-              <a:t>sudo</a:t>
-            </a:r>
-            <a:r>
-              <a:rPr lang="en-US" altLang="ko-KR" sz="1200" dirty="0"/>
-              <a:t> apt install python3-testresources ;  </a:t>
-            </a:r>
-          </a:p>
-          <a:p>
-            <a:pPr defTabSz="914400" latinLnBrk="1"/>
-            <a:r>
-              <a:rPr lang="en-US" altLang="ko-KR" sz="1200" dirty="0"/>
-              <a:t>poetry </a:t>
-            </a:r>
-            <a:r>
-              <a:rPr lang="en-US" altLang="ko-KR" sz="1200" dirty="0" err="1"/>
-              <a:t>init</a:t>
-            </a:r>
-            <a:r>
-              <a:rPr lang="en-US" altLang="ko-KR" sz="1200" dirty="0"/>
-              <a:t> –n ; pip3 install </a:t>
-            </a:r>
-            <a:r>
-              <a:rPr lang="en-US" altLang="ko-KR" sz="1200" dirty="0" err="1"/>
-              <a:t>numpy</a:t>
-            </a:r>
-            <a:r>
-              <a:rPr lang="en-US" altLang="ko-KR" sz="1200" dirty="0"/>
-              <a:t> ;  </a:t>
-            </a:r>
-          </a:p>
-          <a:p>
-            <a:pPr defTabSz="914400" latinLnBrk="1"/>
-            <a:r>
-              <a:rPr lang="en-US" altLang="ko-KR" sz="1200" dirty="0" err="1"/>
-              <a:t>sudo</a:t>
-            </a:r>
-            <a:r>
-              <a:rPr lang="en-US" altLang="ko-KR" sz="1200" dirty="0"/>
-              <a:t> apt install </a:t>
-            </a:r>
-            <a:r>
-              <a:rPr lang="en-US" altLang="ko-KR" sz="1200" dirty="0" err="1"/>
-              <a:t>scons</a:t>
-            </a:r>
-            <a:r>
-              <a:rPr lang="en-US" altLang="ko-KR" sz="1200" dirty="0"/>
-              <a:t> ; </a:t>
-            </a:r>
-          </a:p>
-          <a:p>
-            <a:pPr defTabSz="914400" latinLnBrk="1"/>
-            <a:r>
-              <a:rPr lang="en-US" altLang="ko-KR" sz="1200" dirty="0"/>
-              <a:t>pip3 install  </a:t>
-            </a:r>
-            <a:r>
-              <a:rPr lang="en-US" altLang="ko-KR" sz="1200" dirty="0" err="1"/>
-              <a:t>scons</a:t>
-            </a:r>
-            <a:r>
-              <a:rPr lang="en-US" altLang="ko-KR" sz="1200" dirty="0"/>
-              <a:t> ; </a:t>
-            </a:r>
-          </a:p>
-          <a:p>
-            <a:pPr defTabSz="914400" latinLnBrk="1"/>
-            <a:r>
-              <a:rPr lang="en-US" altLang="ko-KR" sz="1200" dirty="0"/>
-              <a:t>curl -s https://packagecloud.io/install/repositories/github/git-lfs/script.deb.sh | </a:t>
-            </a:r>
-            <a:r>
-              <a:rPr lang="en-US" altLang="ko-KR" sz="1200" dirty="0" err="1"/>
-              <a:t>sudo</a:t>
-            </a:r>
-            <a:r>
-              <a:rPr lang="en-US" altLang="ko-KR" sz="1200" dirty="0"/>
-              <a:t> bash ; </a:t>
-            </a:r>
-          </a:p>
-          <a:p>
-            <a:pPr defTabSz="914400" latinLnBrk="1"/>
-            <a:r>
-              <a:rPr lang="en-US" altLang="ko-KR" sz="1200" dirty="0" err="1"/>
-              <a:t>sudo</a:t>
-            </a:r>
-            <a:r>
-              <a:rPr lang="en-US" altLang="ko-KR" sz="1200" dirty="0"/>
-              <a:t> apt-get update ; </a:t>
-            </a:r>
-          </a:p>
-          <a:p>
-            <a:pPr defTabSz="914400" latinLnBrk="1"/>
-            <a:r>
-              <a:rPr lang="en-US" altLang="ko-KR" sz="1200" dirty="0" err="1"/>
-              <a:t>sudo</a:t>
-            </a:r>
-            <a:r>
-              <a:rPr lang="en-US" altLang="ko-KR" sz="1200" dirty="0"/>
-              <a:t> apt install git-</a:t>
-            </a:r>
-            <a:r>
-              <a:rPr lang="en-US" altLang="ko-KR" sz="1200" dirty="0" err="1"/>
-              <a:t>lfs</a:t>
-            </a:r>
-            <a:r>
-              <a:rPr lang="en-US" altLang="ko-KR" sz="1200" dirty="0"/>
-              <a:t>; </a:t>
-            </a:r>
-          </a:p>
-          <a:p>
-            <a:pPr defTabSz="914400" latinLnBrk="1"/>
-            <a:r>
-              <a:rPr lang="en-US" altLang="ko-KR" sz="1200" dirty="0"/>
-              <a:t>cd ~ ; </a:t>
-            </a:r>
-          </a:p>
-          <a:p>
-            <a:pPr defTabSz="914400" latinLnBrk="1"/>
-            <a:r>
-              <a:rPr lang="en-US" altLang="ko-KR" sz="1200" dirty="0"/>
-              <a:t>git clone --recurse-submodules https://github.com/commaai/openpilot.git ;</a:t>
-            </a:r>
-          </a:p>
-          <a:p>
-            <a:pPr defTabSz="914400" latinLnBrk="1"/>
-            <a:r>
-              <a:rPr lang="en-US" altLang="ko-KR" sz="1200" dirty="0"/>
-              <a:t>cd ~/</a:t>
-            </a:r>
-            <a:r>
-              <a:rPr lang="en-US" altLang="ko-KR" sz="1200" dirty="0" err="1"/>
-              <a:t>openpilot</a:t>
-            </a:r>
-            <a:r>
-              <a:rPr lang="en-US" altLang="ko-KR" sz="1200" dirty="0"/>
-              <a:t> ; git </a:t>
-            </a:r>
-            <a:r>
-              <a:rPr lang="en-US" altLang="ko-KR" sz="1200" dirty="0" err="1"/>
-              <a:t>lfs</a:t>
-            </a:r>
-            <a:r>
-              <a:rPr lang="en-US" altLang="ko-KR" sz="1200" dirty="0"/>
-              <a:t> pull ; </a:t>
-            </a:r>
-          </a:p>
-          <a:p>
-            <a:pPr defTabSz="914400" latinLnBrk="1"/>
-            <a:r>
-              <a:rPr lang="en-US" altLang="ko-KR" sz="1200" dirty="0"/>
-              <a:t>export PYTHONPATH="/home/$USER/</a:t>
-            </a:r>
-            <a:r>
-              <a:rPr lang="en-US" altLang="ko-KR" sz="1200" dirty="0" err="1"/>
-              <a:t>openpilot</a:t>
-            </a:r>
-            <a:r>
-              <a:rPr lang="en-US" altLang="ko-KR" sz="1200" dirty="0"/>
-              <a:t>/.</a:t>
-            </a:r>
-            <a:r>
-              <a:rPr lang="en-US" altLang="ko-KR" sz="1200" dirty="0" err="1"/>
-              <a:t>venv</a:t>
-            </a:r>
-            <a:r>
-              <a:rPr lang="en-US" altLang="ko-KR" sz="1200" dirty="0"/>
-              <a:t>/bin/python3:/home/$USER</a:t>
-            </a:r>
-          </a:p>
-          <a:p>
-            <a:pPr defTabSz="914400" latinLnBrk="1"/>
-            <a:r>
-              <a:rPr lang="en-US" altLang="ko-KR" sz="1200" dirty="0"/>
-              <a:t>/</a:t>
-            </a:r>
-            <a:r>
-              <a:rPr lang="en-US" altLang="ko-KR" sz="1200" dirty="0" err="1"/>
-              <a:t>openpilot</a:t>
-            </a:r>
-            <a:r>
-              <a:rPr lang="en-US" altLang="ko-KR" sz="1200" dirty="0"/>
-              <a:t>";</a:t>
-            </a:r>
-          </a:p>
-          <a:p>
-            <a:pPr defTabSz="914400" latinLnBrk="1"/>
-            <a:r>
-              <a:rPr lang="en-US" altLang="ko-KR" sz="1200" dirty="0"/>
-              <a:t>export DISPLAY="`grep nameserver /</a:t>
-            </a:r>
-            <a:r>
-              <a:rPr lang="en-US" altLang="ko-KR" sz="1200" dirty="0" err="1"/>
-              <a:t>etc</a:t>
-            </a:r>
-            <a:r>
-              <a:rPr lang="en-US" altLang="ko-KR" sz="1200" dirty="0"/>
-              <a:t>/</a:t>
-            </a:r>
-            <a:r>
-              <a:rPr lang="en-US" altLang="ko-KR" sz="1200" dirty="0" err="1"/>
-              <a:t>resolv.conf</a:t>
-            </a:r>
-            <a:r>
-              <a:rPr lang="en-US" altLang="ko-KR" sz="1200" dirty="0"/>
-              <a:t> | sed 's/nameserver //'`:0";</a:t>
-            </a:r>
-          </a:p>
-          <a:p>
-            <a:pPr defTabSz="914400" latinLnBrk="1"/>
-            <a:r>
-              <a:rPr lang="en-US" altLang="ko-KR" sz="1200" dirty="0"/>
-              <a:t>export LIBGL_ALWAYS_INDIRECT=1;</a:t>
-            </a:r>
-          </a:p>
-          <a:p>
-            <a:pPr defTabSz="914400" latinLnBrk="1"/>
-            <a:r>
-              <a:rPr lang="en-US" altLang="ko-KR" sz="1200" dirty="0"/>
-              <a:t>export DISPLAY=$WSL_IF_IP:0;</a:t>
-            </a:r>
-          </a:p>
-          <a:p>
-            <a:pPr defTabSz="914400" latinLnBrk="1"/>
-            <a:r>
-              <a:rPr lang="en-US" altLang="ko-KR" sz="1200" dirty="0"/>
-              <a:t>unset LIBGL_ALWAYS_INDIRECT;</a:t>
-            </a:r>
-          </a:p>
-          <a:p>
-            <a:pPr defTabSz="914400" latinLnBrk="1"/>
-            <a:r>
-              <a:rPr lang="en-US" altLang="ko-KR" sz="1200" dirty="0"/>
-              <a:t>cd ~/openpilot&amp;&amp;tools/ubuntu_setup.sh ; </a:t>
-            </a:r>
-          </a:p>
-          <a:p>
-            <a:pPr defTabSz="914400" latinLnBrk="1"/>
-            <a:r>
-              <a:rPr lang="en-US" altLang="ko-KR" sz="1200" dirty="0"/>
-              <a:t>cd ~/</a:t>
-            </a:r>
-            <a:r>
-              <a:rPr lang="en-US" altLang="ko-KR" sz="1200" dirty="0" err="1"/>
-              <a:t>openpilot</a:t>
-            </a:r>
-            <a:r>
-              <a:rPr lang="en-US" altLang="ko-KR" sz="1200" dirty="0"/>
-              <a:t>&amp;&amp;poetry shell ; </a:t>
-            </a:r>
-          </a:p>
-          <a:p>
-            <a:pPr defTabSz="914400" latinLnBrk="1"/>
-            <a:endParaRPr lang="en-US" altLang="ko-KR" sz="1200" dirty="0"/>
-          </a:p>
-          <a:p>
-            <a:pPr defTabSz="914400" latinLnBrk="1"/>
-            <a:r>
-              <a:rPr lang="en-US" altLang="ko-KR" sz="1200" dirty="0"/>
-              <a:t>#add .</a:t>
-            </a:r>
-            <a:r>
-              <a:rPr lang="en-US" altLang="ko-KR" sz="1200" dirty="0" err="1"/>
-              <a:t>bashrc</a:t>
-            </a:r>
-            <a:r>
-              <a:rPr lang="en-US" altLang="ko-KR" sz="1200" dirty="0"/>
-              <a:t> for qt (network connection)</a:t>
-            </a:r>
-          </a:p>
-          <a:p>
-            <a:pPr defTabSz="914400" latinLnBrk="1"/>
-            <a:r>
-              <a:rPr lang="en-US" altLang="ko-KR" sz="1200" dirty="0"/>
-              <a:t>cd ~;</a:t>
-            </a:r>
-          </a:p>
-          <a:p>
-            <a:pPr defTabSz="914400" latinLnBrk="1"/>
-            <a:r>
-              <a:rPr lang="en-US" altLang="ko-KR" sz="1200" dirty="0"/>
-              <a:t>sed '98 </a:t>
-            </a:r>
-            <a:r>
-              <a:rPr lang="en-US" altLang="ko-KR" sz="1200" dirty="0" err="1"/>
-              <a:t>i</a:t>
-            </a:r>
-            <a:r>
-              <a:rPr lang="en-US" altLang="ko-KR" sz="1200" dirty="0"/>
-              <a:t>\</a:t>
-            </a:r>
-          </a:p>
-          <a:p>
-            <a:pPr defTabSz="914400" latinLnBrk="1"/>
-            <a:r>
-              <a:rPr lang="en-US" altLang="ko-KR" sz="1200" dirty="0"/>
-              <a:t>#Custom alias</a:t>
-            </a:r>
-          </a:p>
-          <a:p>
-            <a:pPr defTabSz="914400" latinLnBrk="1"/>
-            <a:r>
-              <a:rPr lang="en-US" altLang="ko-KR" sz="1200" dirty="0"/>
-              <a:t>alias </a:t>
-            </a:r>
-            <a:r>
-              <a:rPr lang="en-US" altLang="ko-KR" sz="1200" dirty="0" err="1"/>
-              <a:t>op_plot</a:t>
-            </a:r>
-            <a:r>
-              <a:rPr lang="en-US" altLang="ko-KR" sz="1200" dirty="0"/>
-              <a:t>='cd ~/openpilot/tools/plotjuggler&amp;&amp;./juggle.py --stream’' .</a:t>
-            </a:r>
-            <a:r>
-              <a:rPr lang="en-US" altLang="ko-KR" sz="1200" dirty="0" err="1"/>
-              <a:t>bashrc</a:t>
-            </a:r>
-            <a:r>
-              <a:rPr lang="en-US" altLang="ko-KR" sz="1200" dirty="0"/>
-              <a:t>;</a:t>
-            </a:r>
-          </a:p>
-          <a:p>
-            <a:pPr defTabSz="914400" latinLnBrk="1"/>
-            <a:r>
-              <a:rPr lang="en-US" altLang="ko-KR" sz="1200" dirty="0"/>
-              <a:t>sed '$s/$/\n</a:t>
-            </a:r>
-          </a:p>
-          <a:p>
-            <a:pPr defTabSz="914400" latinLnBrk="1"/>
-            <a:r>
-              <a:rPr lang="en-US" altLang="ko-KR" sz="1200" dirty="0"/>
-              <a:t>export PYTHONPATH="/home/$USER/</a:t>
-            </a:r>
-            <a:r>
-              <a:rPr lang="en-US" altLang="ko-KR" sz="1200" dirty="0" err="1"/>
-              <a:t>openpilot</a:t>
-            </a:r>
-            <a:r>
-              <a:rPr lang="en-US" altLang="ko-KR" sz="1200" dirty="0"/>
-              <a:t>/.</a:t>
-            </a:r>
-            <a:r>
-              <a:rPr lang="en-US" altLang="ko-KR" sz="1200" dirty="0" err="1"/>
-              <a:t>venv</a:t>
-            </a:r>
-            <a:r>
-              <a:rPr lang="en-US" altLang="ko-KR" sz="1200" dirty="0"/>
-              <a:t>/bin/python3:/home/$USER</a:t>
-            </a:r>
-          </a:p>
-          <a:p>
-            <a:pPr defTabSz="914400" latinLnBrk="1"/>
-            <a:r>
-              <a:rPr lang="en-US" altLang="ko-KR" sz="1200" dirty="0"/>
-              <a:t>/</a:t>
-            </a:r>
-            <a:r>
-              <a:rPr lang="en-US" altLang="ko-KR" sz="1200" dirty="0" err="1"/>
-              <a:t>openpilot</a:t>
-            </a:r>
-            <a:r>
-              <a:rPr lang="en-US" altLang="ko-KR" sz="1200" dirty="0"/>
-              <a:t>"</a:t>
-            </a:r>
-          </a:p>
-          <a:p>
-            <a:pPr defTabSz="914400" latinLnBrk="1"/>
-            <a:r>
-              <a:rPr lang="en-US" altLang="ko-KR" sz="1200" dirty="0"/>
-              <a:t>export DISPLAY="`grep nameserver /</a:t>
-            </a:r>
-            <a:r>
-              <a:rPr lang="en-US" altLang="ko-KR" sz="1200" dirty="0" err="1"/>
-              <a:t>etc</a:t>
-            </a:r>
-            <a:r>
-              <a:rPr lang="en-US" altLang="ko-KR" sz="1200" dirty="0"/>
-              <a:t>/</a:t>
-            </a:r>
-            <a:r>
-              <a:rPr lang="en-US" altLang="ko-KR" sz="1200" dirty="0" err="1"/>
-              <a:t>resolv.conf</a:t>
-            </a:r>
-            <a:r>
-              <a:rPr lang="en-US" altLang="ko-KR" sz="1200" dirty="0"/>
-              <a:t> | sed 's/nameserver //'`:0"</a:t>
-            </a:r>
-          </a:p>
-          <a:p>
-            <a:pPr defTabSz="914400" latinLnBrk="1"/>
-            <a:r>
-              <a:rPr lang="en-US" altLang="ko-KR" sz="1200" dirty="0"/>
-              <a:t>export LIBGL_ALWAYS_INDIRECT=1</a:t>
-            </a:r>
-          </a:p>
-          <a:p>
-            <a:pPr defTabSz="914400" latinLnBrk="1"/>
-            <a:r>
-              <a:rPr lang="en-US" altLang="ko-KR" sz="1200" dirty="0"/>
-              <a:t>export DISPLAY=$WSL_IF_IP:0</a:t>
-            </a:r>
-          </a:p>
-          <a:p>
-            <a:pPr defTabSz="914400" latinLnBrk="1"/>
-            <a:r>
-              <a:rPr lang="en-US" altLang="ko-KR" sz="1200" dirty="0"/>
-              <a:t>unset LIBGL_ALWAYS_INDIRECT</a:t>
-            </a:r>
-          </a:p>
-          <a:p>
-            <a:pPr defTabSz="914400" latinLnBrk="1"/>
-            <a:r>
-              <a:rPr lang="en-US" altLang="ko-KR" sz="1200" dirty="0"/>
-              <a:t>/g' .</a:t>
-            </a:r>
-            <a:r>
-              <a:rPr lang="en-US" altLang="ko-KR" sz="1200" dirty="0" err="1"/>
-              <a:t>bashrc</a:t>
-            </a:r>
-            <a:r>
-              <a:rPr lang="en-US" altLang="ko-KR" sz="1200" dirty="0"/>
-              <a:t>;</a:t>
-            </a:r>
-            <a:endParaRPr lang="ko-KR" altLang="en-US" sz="1200" dirty="0"/>
-          </a:p>
-        </p:txBody>
-      </p:sp>
-      <p:sp>
-        <p:nvSpPr>
-          <p:cNvPr id="17" name="TextBox 16">
-            <a:extLst>
-              <a:ext uri="{FF2B5EF4-FFF2-40B4-BE49-F238E27FC236}">
-                <a16:creationId xmlns:a16="http://schemas.microsoft.com/office/drawing/2014/main" id="{20D09015-EF35-E24A-8FFD-429C816672D0}"/>
-              </a:ext>
-            </a:extLst>
-          </p:cNvPr>
-          <p:cNvSpPr txBox="1"/>
-          <p:nvPr/>
-        </p:nvSpPr>
-        <p:spPr>
-          <a:xfrm>
-            <a:off x="476034" y="8478526"/>
-            <a:ext cx="5928613" cy="1015663"/>
-          </a:xfrm>
-          <a:prstGeom prst="rect">
-            <a:avLst/>
-          </a:prstGeom>
-          <a:noFill/>
-        </p:spPr>
-        <p:txBody>
-          <a:bodyPr wrap="square">
-            <a:spAutoFit/>
-          </a:bodyPr>
-          <a:lstStyle/>
-          <a:p>
-            <a:r>
-              <a:rPr lang="en-US" altLang="ko-KR" sz="1200" dirty="0"/>
-              <a:t>#!/usr/bin/bash</a:t>
-            </a:r>
-          </a:p>
-          <a:p>
-            <a:r>
-              <a:rPr lang="en-US" altLang="ko-KR" sz="1200" dirty="0"/>
-              <a:t># build </a:t>
-            </a:r>
-            <a:r>
-              <a:rPr lang="en-US" altLang="ko-KR" sz="1200" dirty="0" err="1"/>
-              <a:t>openpilot</a:t>
-            </a:r>
-            <a:r>
-              <a:rPr lang="en-US" altLang="ko-KR" sz="1200" dirty="0"/>
-              <a:t> &amp; install </a:t>
-            </a:r>
-            <a:r>
-              <a:rPr lang="en-US" altLang="ko-KR" sz="1200" dirty="0" err="1"/>
-              <a:t>plotjuggler</a:t>
-            </a:r>
-            <a:endParaRPr lang="en-US" altLang="ko-KR" sz="1200" dirty="0"/>
-          </a:p>
-          <a:p>
-            <a:r>
-              <a:rPr lang="en-US" altLang="ko-KR" sz="1200" dirty="0"/>
-              <a:t>cd ~/</a:t>
-            </a:r>
-            <a:r>
-              <a:rPr lang="en-US" altLang="ko-KR" sz="1200" dirty="0" err="1"/>
-              <a:t>openpilot</a:t>
-            </a:r>
-            <a:r>
-              <a:rPr lang="en-US" altLang="ko-KR" sz="1200" dirty="0"/>
-              <a:t> &amp;&amp; </a:t>
-            </a:r>
-            <a:r>
-              <a:rPr lang="en-US" altLang="ko-KR" sz="1200" dirty="0" err="1"/>
-              <a:t>scons</a:t>
-            </a:r>
-            <a:r>
-              <a:rPr lang="en-US" altLang="ko-KR" sz="1200" dirty="0"/>
-              <a:t> -u -j$(</a:t>
-            </a:r>
-            <a:r>
-              <a:rPr lang="en-US" altLang="ko-KR" sz="1200" dirty="0" err="1"/>
-              <a:t>nproc</a:t>
-            </a:r>
-            <a:r>
-              <a:rPr lang="en-US" altLang="ko-KR" sz="1200" dirty="0"/>
-              <a:t>) ; </a:t>
-            </a:r>
-          </a:p>
-          <a:p>
-            <a:r>
-              <a:rPr lang="en-US" altLang="ko-KR" sz="1200" dirty="0"/>
-              <a:t>cd ~/</a:t>
-            </a:r>
-            <a:r>
-              <a:rPr lang="en-US" altLang="ko-KR" sz="1200" dirty="0" err="1"/>
-              <a:t>openpilot</a:t>
-            </a:r>
-            <a:r>
-              <a:rPr lang="en-US" altLang="ko-KR" sz="1200" dirty="0"/>
-              <a:t>/tools/</a:t>
-            </a:r>
-            <a:r>
-              <a:rPr lang="en-US" altLang="ko-KR" sz="1200" dirty="0" err="1"/>
-              <a:t>plotjuggler</a:t>
-            </a:r>
-            <a:r>
-              <a:rPr lang="en-US" altLang="ko-KR" sz="1200" dirty="0"/>
-              <a:t> ; </a:t>
-            </a:r>
-          </a:p>
-          <a:p>
-            <a:r>
-              <a:rPr lang="en-US" altLang="ko-KR" sz="1200" dirty="0"/>
-              <a:t>./juggle.py --install</a:t>
-            </a:r>
-            <a:endParaRPr lang="ko-KR" altLang="en-US" sz="1200" dirty="0"/>
-          </a:p>
-        </p:txBody>
-      </p:sp>
-      <p:sp>
-        <p:nvSpPr>
-          <p:cNvPr id="21" name="TextBox 20">
-            <a:extLst>
-              <a:ext uri="{FF2B5EF4-FFF2-40B4-BE49-F238E27FC236}">
-                <a16:creationId xmlns:a16="http://schemas.microsoft.com/office/drawing/2014/main" id="{D4A40D51-5C2E-8F6C-2978-86E3D23509E5}"/>
-              </a:ext>
-            </a:extLst>
-          </p:cNvPr>
-          <p:cNvSpPr txBox="1"/>
-          <p:nvPr/>
-        </p:nvSpPr>
-        <p:spPr>
-          <a:xfrm>
-            <a:off x="2997305" y="0"/>
-            <a:ext cx="1192731" cy="400110"/>
-          </a:xfrm>
-          <a:prstGeom prst="rect">
-            <a:avLst/>
-          </a:prstGeom>
-          <a:noFill/>
-        </p:spPr>
-        <p:txBody>
-          <a:bodyPr wrap="square" rtlCol="0">
-            <a:spAutoFit/>
-          </a:bodyPr>
-          <a:lstStyle/>
-          <a:p>
-            <a:r>
-              <a:rPr lang="en-US" altLang="ko-KR" sz="2000" b="1" dirty="0"/>
-              <a:t>Appendix</a:t>
-            </a:r>
-            <a:endParaRPr lang="ko-KR" altLang="en-US" sz="2000" b="1" dirty="0"/>
-          </a:p>
-        </p:txBody>
-      </p:sp>
-      <p:sp>
-        <p:nvSpPr>
-          <p:cNvPr id="22" name="TextBox 21">
-            <a:extLst>
-              <a:ext uri="{FF2B5EF4-FFF2-40B4-BE49-F238E27FC236}">
-                <a16:creationId xmlns:a16="http://schemas.microsoft.com/office/drawing/2014/main" id="{80D532DA-DA30-2DCF-CB1B-F468A5FC10F7}"/>
-              </a:ext>
-            </a:extLst>
-          </p:cNvPr>
-          <p:cNvSpPr txBox="1"/>
-          <p:nvPr/>
-        </p:nvSpPr>
-        <p:spPr>
-          <a:xfrm>
-            <a:off x="329445" y="8203493"/>
-            <a:ext cx="1683571" cy="276999"/>
-          </a:xfrm>
-          <a:prstGeom prst="rect">
-            <a:avLst/>
-          </a:prstGeom>
-          <a:noFill/>
-        </p:spPr>
-        <p:txBody>
-          <a:bodyPr wrap="square" rtlCol="0">
-            <a:spAutoFit/>
-          </a:bodyPr>
-          <a:lstStyle/>
-          <a:p>
-            <a:r>
-              <a:rPr lang="en-US" altLang="ko-KR" sz="1200" b="1" dirty="0"/>
-              <a:t>2_Install_plot.sh </a:t>
-            </a:r>
-            <a:r>
-              <a:rPr lang="ko-KR" altLang="en-US" sz="1200" b="1" dirty="0"/>
-              <a:t>내용</a:t>
-            </a:r>
+              <a:rPr lang="en-US" altLang="ko-KR" sz="2800" b="1" dirty="0"/>
+              <a:t>Windows 10</a:t>
+            </a:r>
+            <a:endParaRPr lang="ko-KR" altLang="en-US" sz="2800" b="1" dirty="0"/>
           </a:p>
         </p:txBody>
       </p:sp>
     </p:spTree>
     <p:extLst>
       <p:ext uri="{BB962C8B-B14F-4D97-AF65-F5344CB8AC3E}">
-        <p14:creationId xmlns:p14="http://schemas.microsoft.com/office/powerpoint/2010/main" val="1758367389"/>
+        <p14:creationId xmlns:p14="http://schemas.microsoft.com/office/powerpoint/2010/main" val="2995180108"/>
       </p:ext>
     </p:extLst>
   </p:cSld>
@@ -4930,6 +3989,992 @@
       </p:grpSpPr>
       <p:sp>
         <p:nvSpPr>
+          <p:cNvPr id="7" name="TextBox 6">
+            <a:extLst>
+              <a:ext uri="{FF2B5EF4-FFF2-40B4-BE49-F238E27FC236}">
+                <a16:creationId xmlns:a16="http://schemas.microsoft.com/office/drawing/2014/main" id="{6A9D0AEE-FDEB-C862-3142-31A7EC8F3180}"/>
+              </a:ext>
+            </a:extLst>
+          </p:cNvPr>
+          <p:cNvSpPr txBox="1"/>
+          <p:nvPr/>
+        </p:nvSpPr>
+        <p:spPr>
+          <a:xfrm>
+            <a:off x="2443770" y="8848120"/>
+            <a:ext cx="2456180" cy="276999"/>
+          </a:xfrm>
+          <a:prstGeom prst="rect">
+            <a:avLst/>
+          </a:prstGeom>
+          <a:noFill/>
+        </p:spPr>
+        <p:txBody>
+          <a:bodyPr wrap="square">
+            <a:spAutoFit/>
+          </a:bodyPr>
+          <a:lstStyle/>
+          <a:p>
+            <a:r>
+              <a:rPr lang="ko-KR" altLang="en-US" sz="1200" dirty="0"/>
+              <a:t> </a:t>
+            </a:r>
+            <a:r>
+              <a:rPr lang="en-US" altLang="ko-KR" sz="1200" dirty="0"/>
+              <a:t>+ R                                     </a:t>
+            </a:r>
+            <a:r>
+              <a:rPr lang="ko-KR" altLang="en-US" sz="1200" dirty="0"/>
+              <a:t>실행</a:t>
+            </a:r>
+          </a:p>
+        </p:txBody>
+      </p:sp>
+      <p:sp>
+        <p:nvSpPr>
+          <p:cNvPr id="4" name="TextBox 3">
+            <a:extLst>
+              <a:ext uri="{FF2B5EF4-FFF2-40B4-BE49-F238E27FC236}">
+                <a16:creationId xmlns:a16="http://schemas.microsoft.com/office/drawing/2014/main" id="{CB9DD689-DB51-D024-316A-ECC508D6B1EB}"/>
+              </a:ext>
+            </a:extLst>
+          </p:cNvPr>
+          <p:cNvSpPr txBox="1"/>
+          <p:nvPr/>
+        </p:nvSpPr>
+        <p:spPr>
+          <a:xfrm>
+            <a:off x="1825159" y="8546588"/>
+            <a:ext cx="1683571" cy="276999"/>
+          </a:xfrm>
+          <a:prstGeom prst="rect">
+            <a:avLst/>
+          </a:prstGeom>
+          <a:noFill/>
+        </p:spPr>
+        <p:txBody>
+          <a:bodyPr wrap="square" rtlCol="0">
+            <a:spAutoFit/>
+          </a:bodyPr>
+          <a:lstStyle/>
+          <a:p>
+            <a:r>
+              <a:rPr lang="en-US" altLang="ko-KR" sz="1200" b="1" dirty="0"/>
+              <a:t>*</a:t>
+            </a:r>
+            <a:r>
+              <a:rPr lang="ko-KR" altLang="en-US" sz="1200" b="1" dirty="0"/>
+              <a:t>우분투 설치 위치</a:t>
+            </a:r>
+          </a:p>
+        </p:txBody>
+      </p:sp>
+      <p:sp>
+        <p:nvSpPr>
+          <p:cNvPr id="5" name="TextBox 4">
+            <a:extLst>
+              <a:ext uri="{FF2B5EF4-FFF2-40B4-BE49-F238E27FC236}">
+                <a16:creationId xmlns:a16="http://schemas.microsoft.com/office/drawing/2014/main" id="{E154C35E-3854-AA8A-332F-8884DD560F65}"/>
+              </a:ext>
+            </a:extLst>
+          </p:cNvPr>
+          <p:cNvSpPr txBox="1"/>
+          <p:nvPr/>
+        </p:nvSpPr>
+        <p:spPr>
+          <a:xfrm>
+            <a:off x="3042169" y="8841253"/>
+            <a:ext cx="801043" cy="276999"/>
+          </a:xfrm>
+          <a:prstGeom prst="rect">
+            <a:avLst/>
+          </a:prstGeom>
+          <a:noFill/>
+        </p:spPr>
+        <p:txBody>
+          <a:bodyPr wrap="square">
+            <a:spAutoFit/>
+          </a:bodyPr>
+          <a:lstStyle/>
+          <a:p>
+            <a:r>
+              <a:rPr lang="ko-KR" altLang="en-US" sz="1200" dirty="0"/>
+              <a:t>\\wsl$\</a:t>
+            </a:r>
+          </a:p>
+        </p:txBody>
+      </p:sp>
+      <p:pic>
+        <p:nvPicPr>
+          <p:cNvPr id="6" name="그림 5">
+            <a:extLst>
+              <a:ext uri="{FF2B5EF4-FFF2-40B4-BE49-F238E27FC236}">
+                <a16:creationId xmlns:a16="http://schemas.microsoft.com/office/drawing/2014/main" id="{B9048704-0F2F-3945-5C63-5E6365D09441}"/>
+              </a:ext>
+            </a:extLst>
+          </p:cNvPr>
+          <p:cNvPicPr>
+            <a:picLocks noChangeAspect="1"/>
+          </p:cNvPicPr>
+          <p:nvPr/>
+        </p:nvPicPr>
+        <p:blipFill>
+          <a:blip r:embed="rId2"/>
+          <a:stretch>
+            <a:fillRect/>
+          </a:stretch>
+        </p:blipFill>
+        <p:spPr>
+          <a:xfrm>
+            <a:off x="2080378" y="8848120"/>
+            <a:ext cx="298893" cy="302878"/>
+          </a:xfrm>
+          <a:prstGeom prst="rect">
+            <a:avLst/>
+          </a:prstGeom>
+        </p:spPr>
+      </p:pic>
+      <p:sp>
+        <p:nvSpPr>
+          <p:cNvPr id="8" name="TextBox 7">
+            <a:extLst>
+              <a:ext uri="{FF2B5EF4-FFF2-40B4-BE49-F238E27FC236}">
+                <a16:creationId xmlns:a16="http://schemas.microsoft.com/office/drawing/2014/main" id="{4983D393-96C0-CCEA-3B4A-A5AB53EF5A5D}"/>
+              </a:ext>
+            </a:extLst>
+          </p:cNvPr>
+          <p:cNvSpPr txBox="1"/>
+          <p:nvPr/>
+        </p:nvSpPr>
+        <p:spPr>
+          <a:xfrm>
+            <a:off x="1825160" y="9360176"/>
+            <a:ext cx="3288660" cy="276999"/>
+          </a:xfrm>
+          <a:prstGeom prst="rect">
+            <a:avLst/>
+          </a:prstGeom>
+          <a:noFill/>
+        </p:spPr>
+        <p:txBody>
+          <a:bodyPr wrap="square" rtlCol="0">
+            <a:spAutoFit/>
+          </a:bodyPr>
+          <a:lstStyle/>
+          <a:p>
+            <a:r>
+              <a:rPr lang="en-US" altLang="ko-KR" sz="1200" b="1" dirty="0"/>
+              <a:t>*WSL</a:t>
+            </a:r>
+            <a:r>
+              <a:rPr lang="ko-KR" altLang="en-US" sz="1200" b="1" dirty="0"/>
+              <a:t> 설치 </a:t>
+            </a:r>
+            <a:r>
+              <a:rPr lang="ko-KR" altLang="en-US" sz="1200" b="1" dirty="0" err="1"/>
+              <a:t>안될때</a:t>
+            </a:r>
+            <a:r>
+              <a:rPr lang="ko-KR" altLang="en-US" sz="1200" b="1" dirty="0"/>
+              <a:t> </a:t>
+            </a:r>
+            <a:r>
+              <a:rPr lang="en-US" altLang="ko-KR" sz="1200" b="1" dirty="0"/>
+              <a:t>CMD </a:t>
+            </a:r>
+            <a:r>
+              <a:rPr lang="ko-KR" altLang="en-US" sz="1200" b="1" dirty="0"/>
+              <a:t>나 </a:t>
+            </a:r>
+            <a:r>
+              <a:rPr lang="en-US" altLang="ko-KR" sz="1200" b="1" dirty="0" err="1"/>
+              <a:t>Powershell</a:t>
+            </a:r>
+            <a:r>
+              <a:rPr lang="en-US" altLang="ko-KR" sz="1200" b="1" dirty="0"/>
+              <a:t> </a:t>
+            </a:r>
+            <a:r>
+              <a:rPr lang="ko-KR" altLang="en-US" sz="1200" b="1" dirty="0"/>
+              <a:t>로 설치</a:t>
+            </a:r>
+          </a:p>
+        </p:txBody>
+      </p:sp>
+      <p:sp>
+        <p:nvSpPr>
+          <p:cNvPr id="10" name="TextBox 9">
+            <a:extLst>
+              <a:ext uri="{FF2B5EF4-FFF2-40B4-BE49-F238E27FC236}">
+                <a16:creationId xmlns:a16="http://schemas.microsoft.com/office/drawing/2014/main" id="{92AD9541-48F9-F4F5-B5BB-E11C69DA4A2F}"/>
+              </a:ext>
+            </a:extLst>
+          </p:cNvPr>
+          <p:cNvSpPr txBox="1"/>
+          <p:nvPr/>
+        </p:nvSpPr>
+        <p:spPr>
+          <a:xfrm>
+            <a:off x="1931736" y="9637175"/>
+            <a:ext cx="3153987" cy="646331"/>
+          </a:xfrm>
+          <a:prstGeom prst="rect">
+            <a:avLst/>
+          </a:prstGeom>
+          <a:noFill/>
+        </p:spPr>
+        <p:txBody>
+          <a:bodyPr wrap="square">
+            <a:spAutoFit/>
+          </a:bodyPr>
+          <a:lstStyle/>
+          <a:p>
+            <a:r>
+              <a:rPr lang="ko-KR" altLang="en-US" sz="1200" dirty="0" err="1"/>
+              <a:t>wsl</a:t>
+            </a:r>
+            <a:r>
+              <a:rPr lang="ko-KR" altLang="en-US" sz="1200" dirty="0"/>
+              <a:t> --</a:t>
+            </a:r>
+            <a:r>
+              <a:rPr lang="ko-KR" altLang="en-US" sz="1200" dirty="0" err="1"/>
+              <a:t>unregister</a:t>
+            </a:r>
+            <a:r>
+              <a:rPr lang="ko-KR" altLang="en-US" sz="1200" dirty="0"/>
+              <a:t> </a:t>
+            </a:r>
+            <a:r>
+              <a:rPr lang="ko-KR" altLang="en-US" sz="1200" dirty="0" err="1"/>
+              <a:t>ubuntu</a:t>
+            </a:r>
+            <a:endParaRPr lang="en-US" altLang="ko-KR" sz="1200" dirty="0"/>
+          </a:p>
+          <a:p>
+            <a:r>
+              <a:rPr lang="en-US" altLang="ko-KR" sz="1200" dirty="0" err="1"/>
+              <a:t>wsl</a:t>
+            </a:r>
+            <a:r>
+              <a:rPr lang="ko-KR" altLang="en-US" sz="1200" dirty="0"/>
+              <a:t> </a:t>
+            </a:r>
+            <a:r>
+              <a:rPr lang="en-US" altLang="ko-KR" sz="1200" dirty="0"/>
+              <a:t>–unregister</a:t>
+            </a:r>
+            <a:r>
+              <a:rPr lang="ko-KR" altLang="en-US" sz="1200" dirty="0"/>
+              <a:t> </a:t>
+            </a:r>
+            <a:r>
+              <a:rPr lang="en-US" altLang="ko-KR" sz="1200" dirty="0"/>
+              <a:t>ubuntu-20.04</a:t>
+            </a:r>
+            <a:endParaRPr lang="ko-KR" altLang="en-US" sz="1200" dirty="0"/>
+          </a:p>
+          <a:p>
+            <a:r>
+              <a:rPr lang="ko-KR" altLang="en-US" sz="1200" dirty="0" err="1"/>
+              <a:t>wsl</a:t>
+            </a:r>
+            <a:r>
+              <a:rPr lang="ko-KR" altLang="en-US" sz="1200" dirty="0"/>
+              <a:t> --</a:t>
+            </a:r>
+            <a:r>
+              <a:rPr lang="ko-KR" altLang="en-US" sz="1200" dirty="0" err="1"/>
+              <a:t>install</a:t>
+            </a:r>
+            <a:r>
+              <a:rPr lang="ko-KR" altLang="en-US" sz="1200" dirty="0"/>
+              <a:t> -</a:t>
+            </a:r>
+            <a:r>
+              <a:rPr lang="ko-KR" altLang="en-US" sz="1200" dirty="0" err="1"/>
+              <a:t>d</a:t>
+            </a:r>
+            <a:r>
+              <a:rPr lang="ko-KR" altLang="en-US" sz="1200" dirty="0"/>
+              <a:t> Ubuntu-20.04</a:t>
+            </a:r>
+          </a:p>
+        </p:txBody>
+      </p:sp>
+      <p:sp>
+        <p:nvSpPr>
+          <p:cNvPr id="12" name="TextBox 11">
+            <a:extLst>
+              <a:ext uri="{FF2B5EF4-FFF2-40B4-BE49-F238E27FC236}">
+                <a16:creationId xmlns:a16="http://schemas.microsoft.com/office/drawing/2014/main" id="{112A397E-462B-530C-D053-DEA830BFF366}"/>
+              </a:ext>
+            </a:extLst>
+          </p:cNvPr>
+          <p:cNvSpPr txBox="1"/>
+          <p:nvPr/>
+        </p:nvSpPr>
+        <p:spPr>
+          <a:xfrm>
+            <a:off x="301744" y="347394"/>
+            <a:ext cx="1683571" cy="276999"/>
+          </a:xfrm>
+          <a:prstGeom prst="rect">
+            <a:avLst/>
+          </a:prstGeom>
+          <a:noFill/>
+        </p:spPr>
+        <p:txBody>
+          <a:bodyPr wrap="square" rtlCol="0">
+            <a:spAutoFit/>
+          </a:bodyPr>
+          <a:lstStyle/>
+          <a:p>
+            <a:r>
+              <a:rPr lang="en-US" altLang="ko-KR" sz="1200" b="1" dirty="0"/>
+              <a:t>1_Install_plot.sh </a:t>
+            </a:r>
+            <a:r>
+              <a:rPr lang="ko-KR" altLang="en-US" sz="1200" b="1" dirty="0"/>
+              <a:t>내용</a:t>
+            </a:r>
+          </a:p>
+        </p:txBody>
+      </p:sp>
+      <p:sp>
+        <p:nvSpPr>
+          <p:cNvPr id="3" name="TextBox 2">
+            <a:extLst>
+              <a:ext uri="{FF2B5EF4-FFF2-40B4-BE49-F238E27FC236}">
+                <a16:creationId xmlns:a16="http://schemas.microsoft.com/office/drawing/2014/main" id="{D81835C6-1437-359B-CA9B-094A643E96A3}"/>
+              </a:ext>
+            </a:extLst>
+          </p:cNvPr>
+          <p:cNvSpPr txBox="1"/>
+          <p:nvPr/>
+        </p:nvSpPr>
+        <p:spPr>
+          <a:xfrm>
+            <a:off x="402740" y="623357"/>
+            <a:ext cx="5928612" cy="5447645"/>
+          </a:xfrm>
+          <a:prstGeom prst="rect">
+            <a:avLst/>
+          </a:prstGeom>
+          <a:noFill/>
+        </p:spPr>
+        <p:txBody>
+          <a:bodyPr wrap="square">
+            <a:spAutoFit/>
+          </a:bodyPr>
+          <a:lstStyle/>
+          <a:p>
+            <a:pPr defTabSz="914400" latinLnBrk="1"/>
+            <a:r>
+              <a:rPr lang="en-US" altLang="ko-KR" sz="1200" dirty="0"/>
+              <a:t>#!/usr/bin/bash</a:t>
+            </a:r>
+          </a:p>
+          <a:p>
+            <a:pPr defTabSz="914400" latinLnBrk="1"/>
+            <a:r>
+              <a:rPr lang="en-US" altLang="ko-KR" sz="1200" dirty="0"/>
+              <a:t>mv ~/.</a:t>
+            </a:r>
+            <a:r>
+              <a:rPr lang="en-US" altLang="ko-KR" sz="1200" dirty="0" err="1"/>
+              <a:t>bashrc</a:t>
+            </a:r>
+            <a:r>
+              <a:rPr lang="en-US" altLang="ko-KR" sz="1200" dirty="0"/>
+              <a:t> ~/.</a:t>
+            </a:r>
+            <a:r>
+              <a:rPr lang="en-US" altLang="ko-KR" sz="1200" dirty="0" err="1"/>
+              <a:t>bashrc.bak</a:t>
+            </a:r>
+            <a:r>
+              <a:rPr lang="en-US" altLang="ko-KR" sz="1200" dirty="0"/>
+              <a:t>;</a:t>
+            </a:r>
+          </a:p>
+          <a:p>
+            <a:pPr defTabSz="914400" latinLnBrk="1"/>
+            <a:r>
+              <a:rPr lang="en-US" altLang="ko-KR" sz="1200" dirty="0"/>
+              <a:t>mv ~/</a:t>
+            </a:r>
+            <a:r>
+              <a:rPr lang="en-US" altLang="ko-KR" sz="1200" dirty="0" err="1"/>
+              <a:t>plotjuggler</a:t>
+            </a:r>
+            <a:r>
+              <a:rPr lang="en-US" altLang="ko-KR" sz="1200" dirty="0"/>
+              <a:t>/installer/.</a:t>
+            </a:r>
+            <a:r>
+              <a:rPr lang="en-US" altLang="ko-KR" sz="1200" dirty="0" err="1"/>
+              <a:t>bashrc</a:t>
+            </a:r>
+            <a:r>
+              <a:rPr lang="en-US" altLang="ko-KR" sz="1200" dirty="0"/>
+              <a:t> ~/.</a:t>
+            </a:r>
+            <a:r>
+              <a:rPr lang="en-US" altLang="ko-KR" sz="1200" dirty="0" err="1"/>
+              <a:t>bashrc</a:t>
+            </a:r>
+            <a:r>
+              <a:rPr lang="en-US" altLang="ko-KR" sz="1200" dirty="0"/>
+              <a:t>;</a:t>
+            </a:r>
+          </a:p>
+          <a:p>
+            <a:pPr defTabSz="914400" latinLnBrk="1"/>
+            <a:r>
+              <a:rPr lang="en-US" altLang="ko-KR" sz="1200" dirty="0"/>
+              <a:t>cd ~;</a:t>
+            </a:r>
+          </a:p>
+          <a:p>
+            <a:pPr defTabSz="914400" latinLnBrk="1"/>
+            <a:r>
+              <a:rPr lang="en-US" altLang="ko-KR" sz="1200" dirty="0" err="1"/>
+              <a:t>sudo</a:t>
+            </a:r>
+            <a:r>
+              <a:rPr lang="en-US" altLang="ko-KR" sz="1200" dirty="0"/>
+              <a:t> apt update ; </a:t>
+            </a:r>
+          </a:p>
+          <a:p>
+            <a:pPr defTabSz="914400" latinLnBrk="1"/>
+            <a:r>
+              <a:rPr lang="en-US" altLang="ko-KR" sz="1200" dirty="0"/>
+              <a:t>upgrade ; </a:t>
+            </a:r>
+          </a:p>
+          <a:p>
+            <a:pPr defTabSz="914400" latinLnBrk="1"/>
+            <a:r>
+              <a:rPr lang="en-US" altLang="ko-KR" sz="1200" dirty="0" err="1"/>
+              <a:t>sudo</a:t>
+            </a:r>
+            <a:r>
+              <a:rPr lang="en-US" altLang="ko-KR" sz="1200" dirty="0"/>
+              <a:t> apt install x11-apps -y ;</a:t>
+            </a:r>
+          </a:p>
+          <a:p>
+            <a:pPr defTabSz="914400" latinLnBrk="1"/>
+            <a:r>
+              <a:rPr lang="en-US" altLang="ko-KR" sz="1200" dirty="0" err="1"/>
+              <a:t>sudo</a:t>
+            </a:r>
+            <a:r>
+              <a:rPr lang="en-US" altLang="ko-KR" sz="1200" dirty="0"/>
+              <a:t> apt install python3-pip ;</a:t>
+            </a:r>
+          </a:p>
+          <a:p>
+            <a:pPr defTabSz="914400" latinLnBrk="1"/>
+            <a:r>
+              <a:rPr lang="en-US" altLang="ko-KR" sz="1200" dirty="0"/>
+              <a:t>curl https://bootstrap.pypa.io/get\-pip.py \-o get\-pip.py ; </a:t>
+            </a:r>
+          </a:p>
+          <a:p>
+            <a:pPr defTabSz="914400" latinLnBrk="1"/>
+            <a:r>
+              <a:rPr lang="en-US" altLang="ko-KR" sz="1200" dirty="0"/>
+              <a:t>python3 get-pip.py ; pip3 install pip --upgrade ; </a:t>
+            </a:r>
+          </a:p>
+          <a:p>
+            <a:pPr defTabSz="914400" latinLnBrk="1"/>
+            <a:r>
+              <a:rPr lang="en-US" altLang="ko-KR" sz="1200" dirty="0" err="1"/>
+              <a:t>sudo</a:t>
+            </a:r>
+            <a:r>
+              <a:rPr lang="en-US" altLang="ko-KR" sz="1200" dirty="0"/>
+              <a:t> pip install --ignore-installed poetry ; </a:t>
+            </a:r>
+          </a:p>
+          <a:p>
+            <a:pPr defTabSz="914400" latinLnBrk="1"/>
+            <a:r>
+              <a:rPr lang="en-US" altLang="ko-KR" sz="1200" dirty="0" err="1"/>
+              <a:t>sudo</a:t>
+            </a:r>
+            <a:r>
+              <a:rPr lang="en-US" altLang="ko-KR" sz="1200" dirty="0"/>
+              <a:t> apt install python3-testresources ;  </a:t>
+            </a:r>
+          </a:p>
+          <a:p>
+            <a:pPr defTabSz="914400" latinLnBrk="1"/>
+            <a:r>
+              <a:rPr lang="en-US" altLang="ko-KR" sz="1200" dirty="0"/>
+              <a:t>poetry </a:t>
+            </a:r>
+            <a:r>
+              <a:rPr lang="en-US" altLang="ko-KR" sz="1200" dirty="0" err="1"/>
+              <a:t>init</a:t>
+            </a:r>
+            <a:r>
+              <a:rPr lang="en-US" altLang="ko-KR" sz="1200" dirty="0"/>
+              <a:t> –n ; pip3 install </a:t>
+            </a:r>
+            <a:r>
+              <a:rPr lang="en-US" altLang="ko-KR" sz="1200" dirty="0" err="1"/>
+              <a:t>numpy</a:t>
+            </a:r>
+            <a:r>
+              <a:rPr lang="en-US" altLang="ko-KR" sz="1200" dirty="0"/>
+              <a:t> ;  </a:t>
+            </a:r>
+          </a:p>
+          <a:p>
+            <a:pPr defTabSz="914400" latinLnBrk="1"/>
+            <a:r>
+              <a:rPr lang="en-US" altLang="ko-KR" sz="1200" dirty="0" err="1"/>
+              <a:t>sudo</a:t>
+            </a:r>
+            <a:r>
+              <a:rPr lang="en-US" altLang="ko-KR" sz="1200" dirty="0"/>
+              <a:t> apt install </a:t>
+            </a:r>
+            <a:r>
+              <a:rPr lang="en-US" altLang="ko-KR" sz="1200" dirty="0" err="1"/>
+              <a:t>scons</a:t>
+            </a:r>
+            <a:r>
+              <a:rPr lang="en-US" altLang="ko-KR" sz="1200" dirty="0"/>
+              <a:t> ; </a:t>
+            </a:r>
+          </a:p>
+          <a:p>
+            <a:pPr defTabSz="914400" latinLnBrk="1"/>
+            <a:r>
+              <a:rPr lang="en-US" altLang="ko-KR" sz="1200" dirty="0"/>
+              <a:t>pip3 install  </a:t>
+            </a:r>
+            <a:r>
+              <a:rPr lang="en-US" altLang="ko-KR" sz="1200" dirty="0" err="1"/>
+              <a:t>scons</a:t>
+            </a:r>
+            <a:r>
+              <a:rPr lang="en-US" altLang="ko-KR" sz="1200" dirty="0"/>
+              <a:t> ; </a:t>
+            </a:r>
+          </a:p>
+          <a:p>
+            <a:pPr defTabSz="914400" latinLnBrk="1"/>
+            <a:r>
+              <a:rPr lang="en-US" altLang="ko-KR" sz="1200" dirty="0"/>
+              <a:t>curl -s https://packagecloud.io/install/repositories/github/git-lfs/script.deb.sh | </a:t>
+            </a:r>
+            <a:r>
+              <a:rPr lang="en-US" altLang="ko-KR" sz="1200" dirty="0" err="1"/>
+              <a:t>sudo</a:t>
+            </a:r>
+            <a:r>
+              <a:rPr lang="en-US" altLang="ko-KR" sz="1200" dirty="0"/>
+              <a:t> bash ; </a:t>
+            </a:r>
+          </a:p>
+          <a:p>
+            <a:pPr defTabSz="914400" latinLnBrk="1"/>
+            <a:r>
+              <a:rPr lang="en-US" altLang="ko-KR" sz="1200" dirty="0" err="1"/>
+              <a:t>sudo</a:t>
+            </a:r>
+            <a:r>
+              <a:rPr lang="en-US" altLang="ko-KR" sz="1200" dirty="0"/>
+              <a:t> apt-get update ; </a:t>
+            </a:r>
+          </a:p>
+          <a:p>
+            <a:pPr defTabSz="914400" latinLnBrk="1"/>
+            <a:r>
+              <a:rPr lang="en-US" altLang="ko-KR" sz="1200" dirty="0" err="1"/>
+              <a:t>sudo</a:t>
+            </a:r>
+            <a:r>
+              <a:rPr lang="en-US" altLang="ko-KR" sz="1200" dirty="0"/>
+              <a:t> apt install git-</a:t>
+            </a:r>
+            <a:r>
+              <a:rPr lang="en-US" altLang="ko-KR" sz="1200" dirty="0" err="1"/>
+              <a:t>lfs</a:t>
+            </a:r>
+            <a:r>
+              <a:rPr lang="en-US" altLang="ko-KR" sz="1200" dirty="0"/>
+              <a:t>; </a:t>
+            </a:r>
+          </a:p>
+          <a:p>
+            <a:pPr defTabSz="914400" latinLnBrk="1"/>
+            <a:r>
+              <a:rPr lang="en-US" altLang="ko-KR" sz="1200" dirty="0"/>
+              <a:t>cd ~ ; </a:t>
+            </a:r>
+          </a:p>
+          <a:p>
+            <a:pPr defTabSz="914400" latinLnBrk="1"/>
+            <a:r>
+              <a:rPr lang="en-US" altLang="ko-KR" sz="1200" dirty="0"/>
+              <a:t>git clone --recurse-submodules https://github.com/commaai/openpilot.git ;</a:t>
+            </a:r>
+          </a:p>
+          <a:p>
+            <a:pPr defTabSz="914400" latinLnBrk="1"/>
+            <a:r>
+              <a:rPr lang="en-US" altLang="ko-KR" sz="1200" dirty="0"/>
+              <a:t>cd ~/</a:t>
+            </a:r>
+            <a:r>
+              <a:rPr lang="en-US" altLang="ko-KR" sz="1200" dirty="0" err="1"/>
+              <a:t>openpilot</a:t>
+            </a:r>
+            <a:r>
+              <a:rPr lang="en-US" altLang="ko-KR" sz="1200" dirty="0"/>
+              <a:t> ; git </a:t>
+            </a:r>
+            <a:r>
+              <a:rPr lang="en-US" altLang="ko-KR" sz="1200" dirty="0" err="1"/>
+              <a:t>lfs</a:t>
+            </a:r>
+            <a:r>
+              <a:rPr lang="en-US" altLang="ko-KR" sz="1200" dirty="0"/>
+              <a:t> pull ; </a:t>
+            </a:r>
+          </a:p>
+          <a:p>
+            <a:pPr defTabSz="914400" latinLnBrk="1"/>
+            <a:r>
+              <a:rPr lang="en-US" altLang="ko-KR" sz="1200" dirty="0"/>
+              <a:t>export PYTHONPATH="/home/$USER/</a:t>
+            </a:r>
+            <a:r>
+              <a:rPr lang="en-US" altLang="ko-KR" sz="1200" dirty="0" err="1"/>
+              <a:t>openpilot</a:t>
+            </a:r>
+            <a:r>
+              <a:rPr lang="en-US" altLang="ko-KR" sz="1200" dirty="0"/>
+              <a:t>/.</a:t>
+            </a:r>
+            <a:r>
+              <a:rPr lang="en-US" altLang="ko-KR" sz="1200" dirty="0" err="1"/>
+              <a:t>venv</a:t>
+            </a:r>
+            <a:r>
+              <a:rPr lang="en-US" altLang="ko-KR" sz="1200" dirty="0"/>
+              <a:t>/bin/python3:/home/$USER</a:t>
+            </a:r>
+          </a:p>
+          <a:p>
+            <a:pPr defTabSz="914400" latinLnBrk="1"/>
+            <a:r>
+              <a:rPr lang="en-US" altLang="ko-KR" sz="1200" dirty="0"/>
+              <a:t>/</a:t>
+            </a:r>
+            <a:r>
+              <a:rPr lang="en-US" altLang="ko-KR" sz="1200" dirty="0" err="1"/>
+              <a:t>openpilot</a:t>
+            </a:r>
+            <a:r>
+              <a:rPr lang="en-US" altLang="ko-KR" sz="1200" dirty="0"/>
+              <a:t>";</a:t>
+            </a:r>
+          </a:p>
+          <a:p>
+            <a:pPr defTabSz="914400" latinLnBrk="1"/>
+            <a:r>
+              <a:rPr lang="en-US" altLang="ko-KR" sz="1200" dirty="0"/>
+              <a:t>export DISPLAY="`grep nameserver /</a:t>
+            </a:r>
+            <a:r>
+              <a:rPr lang="en-US" altLang="ko-KR" sz="1200" dirty="0" err="1"/>
+              <a:t>etc</a:t>
+            </a:r>
+            <a:r>
+              <a:rPr lang="en-US" altLang="ko-KR" sz="1200" dirty="0"/>
+              <a:t>/</a:t>
+            </a:r>
+            <a:r>
+              <a:rPr lang="en-US" altLang="ko-KR" sz="1200" dirty="0" err="1"/>
+              <a:t>resolv.conf</a:t>
+            </a:r>
+            <a:r>
+              <a:rPr lang="en-US" altLang="ko-KR" sz="1200" dirty="0"/>
+              <a:t> | sed 's/nameserver //'`:0";</a:t>
+            </a:r>
+          </a:p>
+          <a:p>
+            <a:pPr defTabSz="914400" latinLnBrk="1"/>
+            <a:r>
+              <a:rPr lang="en-US" altLang="ko-KR" sz="1200" dirty="0"/>
+              <a:t>export LIBGL_ALWAYS_INDIRECT=1;</a:t>
+            </a:r>
+          </a:p>
+          <a:p>
+            <a:pPr defTabSz="914400" latinLnBrk="1"/>
+            <a:r>
+              <a:rPr lang="en-US" altLang="ko-KR" sz="1200" dirty="0"/>
+              <a:t>export DISPLAY=$WSL_IF_IP:0;</a:t>
+            </a:r>
+          </a:p>
+          <a:p>
+            <a:pPr defTabSz="914400" latinLnBrk="1"/>
+            <a:r>
+              <a:rPr lang="en-US" altLang="ko-KR" sz="1200" dirty="0"/>
+              <a:t>unset LIBGL_ALWAYS_INDIRECT;</a:t>
+            </a:r>
+          </a:p>
+          <a:p>
+            <a:pPr defTabSz="914400" latinLnBrk="1"/>
+            <a:r>
+              <a:rPr lang="en-US" altLang="ko-KR" sz="1200" dirty="0"/>
+              <a:t>cd ~/openpilot&amp;&amp;tools/ubuntu_setup.sh ; </a:t>
+            </a:r>
+          </a:p>
+          <a:p>
+            <a:pPr defTabSz="914400" latinLnBrk="1"/>
+            <a:r>
+              <a:rPr lang="en-US" altLang="ko-KR" sz="1200" dirty="0"/>
+              <a:t>cd ~/</a:t>
+            </a:r>
+            <a:r>
+              <a:rPr lang="en-US" altLang="ko-KR" sz="1200" dirty="0" err="1"/>
+              <a:t>openpilot</a:t>
+            </a:r>
+            <a:r>
+              <a:rPr lang="en-US" altLang="ko-KR" sz="1200" dirty="0"/>
+              <a:t>&amp;&amp;poetry shell ; </a:t>
+            </a:r>
+            <a:endParaRPr lang="ko-KR" altLang="en-US" sz="1200" dirty="0"/>
+          </a:p>
+        </p:txBody>
+      </p:sp>
+      <p:sp>
+        <p:nvSpPr>
+          <p:cNvPr id="17" name="TextBox 16">
+            <a:extLst>
+              <a:ext uri="{FF2B5EF4-FFF2-40B4-BE49-F238E27FC236}">
+                <a16:creationId xmlns:a16="http://schemas.microsoft.com/office/drawing/2014/main" id="{20D09015-EF35-E24A-8FFD-429C816672D0}"/>
+              </a:ext>
+            </a:extLst>
+          </p:cNvPr>
+          <p:cNvSpPr txBox="1"/>
+          <p:nvPr/>
+        </p:nvSpPr>
+        <p:spPr>
+          <a:xfrm>
+            <a:off x="464693" y="6397532"/>
+            <a:ext cx="5928613" cy="1384995"/>
+          </a:xfrm>
+          <a:prstGeom prst="rect">
+            <a:avLst/>
+          </a:prstGeom>
+          <a:noFill/>
+        </p:spPr>
+        <p:txBody>
+          <a:bodyPr wrap="square">
+            <a:spAutoFit/>
+          </a:bodyPr>
+          <a:lstStyle/>
+          <a:p>
+            <a:r>
+              <a:rPr lang="en-US" altLang="ko-KR" sz="1200" dirty="0"/>
+              <a:t>#!/usr/bin/bash</a:t>
+            </a:r>
+          </a:p>
+          <a:p>
+            <a:r>
+              <a:rPr lang="en-US" altLang="ko-KR" sz="1200" dirty="0"/>
+              <a:t># build </a:t>
+            </a:r>
+            <a:r>
+              <a:rPr lang="en-US" altLang="ko-KR" sz="1200" dirty="0" err="1"/>
+              <a:t>openpilot</a:t>
+            </a:r>
+            <a:r>
+              <a:rPr lang="en-US" altLang="ko-KR" sz="1200" dirty="0"/>
+              <a:t> </a:t>
+            </a:r>
+          </a:p>
+          <a:p>
+            <a:r>
+              <a:rPr lang="en-US" altLang="ko-KR" sz="1200" dirty="0" err="1"/>
+              <a:t>scons</a:t>
+            </a:r>
+            <a:r>
+              <a:rPr lang="en-US" altLang="ko-KR" sz="1200" dirty="0"/>
+              <a:t> -u -j$(</a:t>
+            </a:r>
+            <a:r>
+              <a:rPr lang="en-US" altLang="ko-KR" sz="1200" dirty="0" err="1"/>
+              <a:t>nproc</a:t>
+            </a:r>
+            <a:r>
+              <a:rPr lang="en-US" altLang="ko-KR" sz="1200" dirty="0"/>
+              <a:t>) ; </a:t>
+            </a:r>
+          </a:p>
+          <a:p>
+            <a:endParaRPr lang="en-US" altLang="ko-KR" sz="1200" dirty="0"/>
+          </a:p>
+          <a:p>
+            <a:r>
+              <a:rPr lang="en-US" altLang="ko-KR" sz="1200" dirty="0"/>
+              <a:t># install </a:t>
+            </a:r>
+            <a:r>
+              <a:rPr lang="en-US" altLang="ko-KR" sz="1200" dirty="0" err="1"/>
+              <a:t>plotjuggler</a:t>
+            </a:r>
+            <a:endParaRPr lang="en-US" altLang="ko-KR" sz="1200" dirty="0"/>
+          </a:p>
+          <a:p>
+            <a:r>
+              <a:rPr lang="en-US" altLang="ko-KR" sz="1200" dirty="0"/>
+              <a:t>cd ~/</a:t>
+            </a:r>
+            <a:r>
+              <a:rPr lang="en-US" altLang="ko-KR" sz="1200" dirty="0" err="1"/>
+              <a:t>openpilot</a:t>
+            </a:r>
+            <a:r>
+              <a:rPr lang="en-US" altLang="ko-KR" sz="1200" dirty="0"/>
+              <a:t>/tools/</a:t>
+            </a:r>
+            <a:r>
+              <a:rPr lang="en-US" altLang="ko-KR" sz="1200" dirty="0" err="1"/>
+              <a:t>plotjuggler</a:t>
+            </a:r>
+            <a:r>
+              <a:rPr lang="en-US" altLang="ko-KR" sz="1200" dirty="0"/>
+              <a:t> ; </a:t>
+            </a:r>
+          </a:p>
+          <a:p>
+            <a:r>
+              <a:rPr lang="en-US" altLang="ko-KR" sz="1200" dirty="0"/>
+              <a:t>./juggle.py --install ;</a:t>
+            </a:r>
+            <a:endParaRPr lang="ko-KR" altLang="en-US" sz="1200" dirty="0"/>
+          </a:p>
+        </p:txBody>
+      </p:sp>
+      <p:sp>
+        <p:nvSpPr>
+          <p:cNvPr id="21" name="TextBox 20">
+            <a:extLst>
+              <a:ext uri="{FF2B5EF4-FFF2-40B4-BE49-F238E27FC236}">
+                <a16:creationId xmlns:a16="http://schemas.microsoft.com/office/drawing/2014/main" id="{D4A40D51-5C2E-8F6C-2978-86E3D23509E5}"/>
+              </a:ext>
+            </a:extLst>
+          </p:cNvPr>
+          <p:cNvSpPr txBox="1"/>
+          <p:nvPr/>
+        </p:nvSpPr>
+        <p:spPr>
+          <a:xfrm>
+            <a:off x="2997305" y="0"/>
+            <a:ext cx="1192731" cy="400110"/>
+          </a:xfrm>
+          <a:prstGeom prst="rect">
+            <a:avLst/>
+          </a:prstGeom>
+          <a:noFill/>
+        </p:spPr>
+        <p:txBody>
+          <a:bodyPr wrap="square" rtlCol="0">
+            <a:spAutoFit/>
+          </a:bodyPr>
+          <a:lstStyle/>
+          <a:p>
+            <a:r>
+              <a:rPr lang="en-US" altLang="ko-KR" sz="2000" b="1" dirty="0"/>
+              <a:t>Appendix</a:t>
+            </a:r>
+            <a:endParaRPr lang="ko-KR" altLang="en-US" sz="2000" b="1" dirty="0"/>
+          </a:p>
+        </p:txBody>
+      </p:sp>
+      <p:sp>
+        <p:nvSpPr>
+          <p:cNvPr id="22" name="TextBox 21">
+            <a:extLst>
+              <a:ext uri="{FF2B5EF4-FFF2-40B4-BE49-F238E27FC236}">
+                <a16:creationId xmlns:a16="http://schemas.microsoft.com/office/drawing/2014/main" id="{80D532DA-DA30-2DCF-CB1B-F468A5FC10F7}"/>
+              </a:ext>
+            </a:extLst>
+          </p:cNvPr>
+          <p:cNvSpPr txBox="1"/>
+          <p:nvPr/>
+        </p:nvSpPr>
+        <p:spPr>
+          <a:xfrm>
+            <a:off x="402740" y="6096000"/>
+            <a:ext cx="1683571" cy="276999"/>
+          </a:xfrm>
+          <a:prstGeom prst="rect">
+            <a:avLst/>
+          </a:prstGeom>
+          <a:noFill/>
+        </p:spPr>
+        <p:txBody>
+          <a:bodyPr wrap="square" rtlCol="0">
+            <a:spAutoFit/>
+          </a:bodyPr>
+          <a:lstStyle/>
+          <a:p>
+            <a:r>
+              <a:rPr lang="en-US" altLang="ko-KR" sz="1200" b="1" dirty="0"/>
+              <a:t>2_Install_plot.sh </a:t>
+            </a:r>
+            <a:r>
+              <a:rPr lang="ko-KR" altLang="en-US" sz="1200" b="1" dirty="0"/>
+              <a:t>내용</a:t>
+            </a:r>
+          </a:p>
+        </p:txBody>
+      </p:sp>
+    </p:spTree>
+    <p:extLst>
+      <p:ext uri="{BB962C8B-B14F-4D97-AF65-F5344CB8AC3E}">
+        <p14:creationId xmlns:p14="http://schemas.microsoft.com/office/powerpoint/2010/main" val="1758367389"/>
+      </p:ext>
+    </p:extLst>
+  </p:cSld>
+  <p:clrMapOvr>
+    <a:masterClrMapping/>
+  </p:clrMapOvr>
+</p:sld>
+</file>
+
+<file path=ppt/slides/slide4.xml><?xml version="1.0" encoding="utf-8"?>
+<p:sld xmlns:a="http://schemas.openxmlformats.org/drawingml/2006/main" xmlns:r="http://schemas.openxmlformats.org/officeDocument/2006/relationships" xmlns:p="http://schemas.openxmlformats.org/presentationml/2006/main">
+  <p:cSld>
+    <p:spTree>
+      <p:nvGrpSpPr>
+        <p:cNvPr id="1" name=""/>
+        <p:cNvGrpSpPr/>
+        <p:nvPr/>
+      </p:nvGrpSpPr>
+      <p:grpSpPr>
+        <a:xfrm>
+          <a:off x="0" y="0"/>
+          <a:ext cx="0" cy="0"/>
+          <a:chOff x="0" y="0"/>
+          <a:chExt cx="0" cy="0"/>
+        </a:xfrm>
+      </p:grpSpPr>
+      <p:sp>
+        <p:nvSpPr>
           <p:cNvPr id="4" name="TextBox 3">
             <a:extLst>
               <a:ext uri="{FF2B5EF4-FFF2-40B4-BE49-F238E27FC236}">
@@ -4943,7 +4988,7 @@
         <p:spPr>
           <a:xfrm>
             <a:off x="223267" y="630021"/>
-            <a:ext cx="6411465" cy="7109639"/>
+            <a:ext cx="6411465" cy="7294305"/>
           </a:xfrm>
           <a:prstGeom prst="rect">
             <a:avLst/>
@@ -4957,6 +5002,36 @@
           <a:lstStyle/>
           <a:p>
             <a:r>
+              <a:rPr lang="en-US" altLang="ko-KR" sz="1200" b="1" dirty="0"/>
+              <a:t>- .</a:t>
+            </a:r>
+            <a:r>
+              <a:rPr lang="en-US" altLang="ko-KR" sz="1200" b="1" dirty="0" err="1"/>
+              <a:t>bashrc</a:t>
+            </a:r>
+            <a:r>
+              <a:rPr lang="en-US" altLang="ko-KR" sz="1200" b="1" dirty="0"/>
+              <a:t>  </a:t>
+            </a:r>
+            <a:r>
+              <a:rPr lang="ko-KR" altLang="en-US" sz="1200" b="1" dirty="0"/>
+              <a:t>덮어쓰기가 정상적으로 수행되지 </a:t>
+            </a:r>
+            <a:r>
+              <a:rPr lang="ko-KR" altLang="en-US" sz="1200" b="1" dirty="0" err="1"/>
+              <a:t>않았을때</a:t>
+            </a:r>
+            <a:r>
+              <a:rPr lang="ko-KR" altLang="en-US" sz="1200" b="1" dirty="0"/>
+              <a:t> 수행 </a:t>
+            </a:r>
+            <a:endParaRPr lang="en-US" altLang="ko-KR" sz="1200" b="1" dirty="0"/>
+          </a:p>
+          <a:p>
+            <a:endParaRPr lang="en-US" altLang="ko-KR" sz="1200" b="1" dirty="0"/>
+          </a:p>
+          <a:p>
+            <a:r>
               <a:rPr lang="ko-KR" altLang="en-US" sz="1200" b="1" dirty="0"/>
               <a:t>우분투 사용자 이름 </a:t>
             </a:r>
@@ -5058,7 +5133,7 @@
             </a:r>
             <a:r>
               <a:rPr lang="en-US" altLang="ko-KR" sz="1200" dirty="0" err="1"/>
-              <a:t>op_pl</a:t>
+              <a:t>op_plot</a:t>
             </a:r>
             <a:r>
               <a:rPr lang="en-US" altLang="ko-KR" sz="1200" dirty="0"/>
@@ -5160,8 +5235,6 @@
               <a:rPr lang="en-US" altLang="ko-KR" sz="1200" dirty="0"/>
               <a:t>$USER</a:t>
             </a:r>
-          </a:p>
-          <a:p>
             <a:r>
               <a:rPr lang="ko-KR" altLang="en-US" sz="1200" dirty="0"/>
               <a:t>/</a:t>
@@ -5387,7 +5460,7 @@
         </p:blipFill>
         <p:spPr>
           <a:xfrm>
-            <a:off x="0" y="1190728"/>
+            <a:off x="0" y="1546328"/>
             <a:ext cx="6858000" cy="1846302"/>
           </a:xfrm>
           <a:prstGeom prst="rect">

--- a/etc/Install plotjuggler with wsl2.pptx
+++ b/etc/Install plotjuggler with wsl2.pptx
@@ -3876,7 +3876,7 @@
             <a:pPr defTabSz="914400" latinLnBrk="1"/>
             <a:r>
               <a:rPr lang="en-US" altLang="ko-KR" sz="1200" dirty="0"/>
-              <a:t>git clone -n --depth=1 --filter=tree:0 https://github.com/seonghoonko/plotjuggler.git &amp;&amp; cd ~/</a:t>
+              <a:t>cd ~; git clone -n --depth=1 --filter=tree:0 https://github.com/seonghoonko/plotjuggler.git &amp;&amp; cd ~/</a:t>
             </a:r>
             <a:r>
               <a:rPr lang="en-US" altLang="ko-KR" sz="1200" dirty="0" err="1"/>
@@ -3900,15 +3900,7 @@
             </a:r>
             <a:r>
               <a:rPr lang="en-US" altLang="ko-KR" sz="1200" dirty="0"/>
-              <a:t> +x 1_installer.sh ; </a:t>
-            </a:r>
-            <a:r>
-              <a:rPr lang="en-US" altLang="ko-KR" sz="1200" dirty="0" err="1"/>
-              <a:t>chmod</a:t>
-            </a:r>
-            <a:r>
-              <a:rPr lang="en-US" altLang="ko-KR" sz="1200" dirty="0"/>
-              <a:t> +x 2_installer.sh ; ./1_installer.sh ; ./2_installer.sh ;</a:t>
+              <a:t> +x installer.sh ; ./installer.sh ;</a:t>
             </a:r>
           </a:p>
         </p:txBody>
@@ -4356,7 +4348,7 @@
         <p:spPr>
           <a:xfrm>
             <a:off x="402740" y="623357"/>
-            <a:ext cx="5928612" cy="5447645"/>
+            <a:ext cx="5928612" cy="7848302"/>
           </a:xfrm>
           <a:prstGeom prst="rect">
             <a:avLst/>
@@ -4671,14 +4663,7 @@
             </a:r>
             <a:r>
               <a:rPr lang="en-US" altLang="ko-KR" sz="1200" dirty="0"/>
-              <a:t>/bin/python3:/home/$USER</a:t>
-            </a:r>
-          </a:p>
-          <a:p>
-            <a:pPr defTabSz="914400" latinLnBrk="1"/>
-            <a:r>
-              <a:rPr lang="en-US" altLang="ko-KR" sz="1200" dirty="0"/>
-              <a:t>/</a:t>
+              <a:t>/bin/python3:/home/$USER/</a:t>
             </a:r>
             <a:r>
               <a:rPr lang="en-US" altLang="ko-KR" sz="1200" dirty="0" err="1"/>
@@ -4754,44 +4739,13 @@
               <a:rPr lang="en-US" altLang="ko-KR" sz="1200" dirty="0"/>
               <a:t>&amp;&amp;poetry shell ; </a:t>
             </a:r>
-            <a:endParaRPr lang="ko-KR" altLang="en-US" sz="1200" dirty="0"/>
-          </a:p>
-        </p:txBody>
-      </p:sp>
-      <p:sp>
-        <p:nvSpPr>
-          <p:cNvPr id="17" name="TextBox 16">
-            <a:extLst>
-              <a:ext uri="{FF2B5EF4-FFF2-40B4-BE49-F238E27FC236}">
-                <a16:creationId xmlns:a16="http://schemas.microsoft.com/office/drawing/2014/main" id="{20D09015-EF35-E24A-8FFD-429C816672D0}"/>
-              </a:ext>
-            </a:extLst>
-          </p:cNvPr>
-          <p:cNvSpPr txBox="1"/>
-          <p:nvPr/>
-        </p:nvSpPr>
-        <p:spPr>
-          <a:xfrm>
-            <a:off x="464693" y="6397532"/>
-            <a:ext cx="5928613" cy="1384995"/>
-          </a:xfrm>
-          <a:prstGeom prst="rect">
-            <a:avLst/>
-          </a:prstGeom>
-          <a:noFill/>
-        </p:spPr>
-        <p:txBody>
-          <a:bodyPr wrap="square">
-            <a:spAutoFit/>
-          </a:bodyPr>
-          <a:lstStyle/>
-          <a:p>
-            <a:r>
-              <a:rPr lang="en-US" altLang="ko-KR" sz="1200" dirty="0"/>
-              <a:t>#!/usr/bin/bash</a:t>
-            </a:r>
-          </a:p>
-          <a:p>
+          </a:p>
+          <a:p>
+            <a:pPr defTabSz="914400" latinLnBrk="1"/>
+            <a:endParaRPr lang="en-US" altLang="ko-KR" sz="1200" dirty="0"/>
+          </a:p>
+          <a:p>
+            <a:pPr defTabSz="914400" latinLnBrk="1"/>
             <a:r>
               <a:rPr lang="en-US" altLang="ko-KR" sz="1200" dirty="0"/>
               <a:t># build </a:t>
@@ -4806,6 +4760,22 @@
             </a:r>
           </a:p>
           <a:p>
+            <a:pPr defTabSz="914400" latinLnBrk="1"/>
+            <a:r>
+              <a:rPr lang="en-US" altLang="ko-KR" sz="1200" dirty="0"/>
+              <a:t>cd ~/</a:t>
+            </a:r>
+            <a:r>
+              <a:rPr lang="en-US" altLang="ko-KR" sz="1200" dirty="0" err="1"/>
+              <a:t>openpilot</a:t>
+            </a:r>
+            <a:r>
+              <a:rPr lang="en-US" altLang="ko-KR" sz="1200" dirty="0"/>
+              <a:t>;</a:t>
+            </a:r>
+          </a:p>
+          <a:p>
+            <a:pPr defTabSz="914400" latinLnBrk="1"/>
             <a:r>
               <a:rPr lang="en-US" altLang="ko-KR" sz="1200" dirty="0" err="1"/>
               <a:t>scons</a:t>
@@ -4824,9 +4794,11 @@
             </a:r>
           </a:p>
           <a:p>
+            <a:pPr defTabSz="914400" latinLnBrk="1"/>
             <a:endParaRPr lang="en-US" altLang="ko-KR" sz="1200" dirty="0"/>
           </a:p>
           <a:p>
+            <a:pPr defTabSz="914400" latinLnBrk="1"/>
             <a:r>
               <a:rPr lang="en-US" altLang="ko-KR" sz="1200" dirty="0"/>
               <a:t># install </a:t>
@@ -4838,9 +4810,10 @@
             <a:endParaRPr lang="en-US" altLang="ko-KR" sz="1200" dirty="0"/>
           </a:p>
           <a:p>
-            <a:r>
-              <a:rPr lang="en-US" altLang="ko-KR" sz="1200" dirty="0"/>
-              <a:t>cd ~/</a:t>
+            <a:pPr defTabSz="914400" latinLnBrk="1"/>
+            <a:r>
+              <a:rPr lang="en-US" altLang="ko-KR" sz="1200" dirty="0"/>
+              <a:t>export PYTHONPATH="/home/$USER/</a:t>
             </a:r>
             <a:r>
               <a:rPr lang="en-US" altLang="ko-KR" sz="1200" dirty="0" err="1"/>
@@ -4848,6 +4821,74 @@
             </a:r>
             <a:r>
               <a:rPr lang="en-US" altLang="ko-KR" sz="1200" dirty="0"/>
+              <a:t>/.</a:t>
+            </a:r>
+            <a:r>
+              <a:rPr lang="en-US" altLang="ko-KR" sz="1200" dirty="0" err="1"/>
+              <a:t>venv</a:t>
+            </a:r>
+            <a:r>
+              <a:rPr lang="en-US" altLang="ko-KR" sz="1200" dirty="0"/>
+              <a:t>/bin/python3:/home/$USER/</a:t>
+            </a:r>
+            <a:r>
+              <a:rPr lang="en-US" altLang="ko-KR" sz="1200" dirty="0" err="1"/>
+              <a:t>openpilot</a:t>
+            </a:r>
+            <a:r>
+              <a:rPr lang="en-US" altLang="ko-KR" sz="1200" dirty="0"/>
+              <a:t>";</a:t>
+            </a:r>
+          </a:p>
+          <a:p>
+            <a:pPr defTabSz="914400" latinLnBrk="1"/>
+            <a:r>
+              <a:rPr lang="en-US" altLang="ko-KR" sz="1200" dirty="0"/>
+              <a:t>export DISPLAY="`grep nameserver /</a:t>
+            </a:r>
+            <a:r>
+              <a:rPr lang="en-US" altLang="ko-KR" sz="1200" dirty="0" err="1"/>
+              <a:t>etc</a:t>
+            </a:r>
+            <a:r>
+              <a:rPr lang="en-US" altLang="ko-KR" sz="1200" dirty="0"/>
+              <a:t>/</a:t>
+            </a:r>
+            <a:r>
+              <a:rPr lang="en-US" altLang="ko-KR" sz="1200" dirty="0" err="1"/>
+              <a:t>resolv.conf</a:t>
+            </a:r>
+            <a:r>
+              <a:rPr lang="en-US" altLang="ko-KR" sz="1200" dirty="0"/>
+              <a:t> | sed 's/nameserver //'`:0";</a:t>
+            </a:r>
+          </a:p>
+          <a:p>
+            <a:pPr defTabSz="914400" latinLnBrk="1"/>
+            <a:r>
+              <a:rPr lang="en-US" altLang="ko-KR" sz="1200" dirty="0"/>
+              <a:t>export LIBGL_ALWAYS_INDIRECT=1;</a:t>
+            </a:r>
+          </a:p>
+          <a:p>
+            <a:pPr defTabSz="914400" latinLnBrk="1"/>
+            <a:r>
+              <a:rPr lang="en-US" altLang="ko-KR" sz="1200" dirty="0"/>
+              <a:t>export DISPLAY=$WSL_IF_IP:0;</a:t>
+            </a:r>
+          </a:p>
+          <a:p>
+            <a:pPr defTabSz="914400" latinLnBrk="1"/>
+            <a:r>
+              <a:rPr lang="en-US" altLang="ko-KR" sz="1200" dirty="0"/>
+              <a:t>cd ~/</a:t>
+            </a:r>
+            <a:r>
+              <a:rPr lang="en-US" altLang="ko-KR" sz="1200" dirty="0" err="1"/>
+              <a:t>openpilot</a:t>
+            </a:r>
+            <a:r>
+              <a:rPr lang="en-US" altLang="ko-KR" sz="1200" dirty="0"/>
               <a:t>/tools/</a:t>
             </a:r>
             <a:r>
@@ -4860,6 +4901,7 @@
             </a:r>
           </a:p>
           <a:p>
+            <a:pPr defTabSz="914400" latinLnBrk="1"/>
             <a:r>
               <a:rPr lang="en-US" altLang="ko-KR" sz="1200" dirty="0"/>
               <a:t>./juggle.py --install ;</a:t>
@@ -4901,45 +4943,6 @@
               <a:t>Appendix</a:t>
             </a:r>
             <a:endParaRPr lang="ko-KR" altLang="en-US" sz="2000" b="1" dirty="0"/>
-          </a:p>
-        </p:txBody>
-      </p:sp>
-      <p:sp>
-        <p:nvSpPr>
-          <p:cNvPr id="22" name="TextBox 21">
-            <a:extLst>
-              <a:ext uri="{FF2B5EF4-FFF2-40B4-BE49-F238E27FC236}">
-                <a16:creationId xmlns:a16="http://schemas.microsoft.com/office/drawing/2014/main" id="{80D532DA-DA30-2DCF-CB1B-F468A5FC10F7}"/>
-              </a:ext>
-            </a:extLst>
-          </p:cNvPr>
-          <p:cNvSpPr txBox="1"/>
-          <p:nvPr/>
-        </p:nvSpPr>
-        <p:spPr>
-          <a:xfrm>
-            <a:off x="402740" y="6096000"/>
-            <a:ext cx="1683571" cy="276999"/>
-          </a:xfrm>
-          <a:prstGeom prst="rect">
-            <a:avLst/>
-          </a:prstGeom>
-          <a:noFill/>
-        </p:spPr>
-        <p:txBody>
-          <a:bodyPr wrap="square" rtlCol="0">
-            <a:spAutoFit/>
-          </a:bodyPr>
-          <a:lstStyle/>
-          <a:p>
-            <a:r>
-              <a:rPr lang="en-US" altLang="ko-KR" sz="1200" b="1" dirty="0"/>
-              <a:t>2_Install_plot.sh </a:t>
-            </a:r>
-            <a:r>
-              <a:rPr lang="ko-KR" altLang="en-US" sz="1200" b="1" dirty="0"/>
-              <a:t>내용</a:t>
-            </a:r>
           </a:p>
         </p:txBody>
       </p:sp>
